--- a/slides/13-numerical-inference-pt1.pptx
+++ b/slides/13-numerical-inference-pt1.pptx
@@ -5,7 +5,7 @@
     <p:sldMasterId id="2147483852" r:id="rId1"/>
   </p:sldMasterIdLst>
   <p:notesMasterIdLst>
-    <p:notesMasterId r:id="rId33"/>
+    <p:notesMasterId r:id="rId34"/>
   </p:notesMasterIdLst>
   <p:sldIdLst>
     <p:sldId id="256" r:id="rId2"/>
@@ -25,20 +25,21 @@
     <p:sldId id="377" r:id="rId16"/>
     <p:sldId id="378" r:id="rId17"/>
     <p:sldId id="379" r:id="rId18"/>
-    <p:sldId id="422" r:id="rId19"/>
-    <p:sldId id="361" r:id="rId20"/>
-    <p:sldId id="388" r:id="rId21"/>
-    <p:sldId id="364" r:id="rId22"/>
-    <p:sldId id="380" r:id="rId23"/>
-    <p:sldId id="382" r:id="rId24"/>
-    <p:sldId id="383" r:id="rId25"/>
-    <p:sldId id="423" r:id="rId26"/>
-    <p:sldId id="384" r:id="rId27"/>
-    <p:sldId id="386" r:id="rId28"/>
-    <p:sldId id="385" r:id="rId29"/>
-    <p:sldId id="389" r:id="rId30"/>
-    <p:sldId id="390" r:id="rId31"/>
-    <p:sldId id="424" r:id="rId32"/>
+    <p:sldId id="425" r:id="rId19"/>
+    <p:sldId id="422" r:id="rId20"/>
+    <p:sldId id="361" r:id="rId21"/>
+    <p:sldId id="388" r:id="rId22"/>
+    <p:sldId id="364" r:id="rId23"/>
+    <p:sldId id="380" r:id="rId24"/>
+    <p:sldId id="382" r:id="rId25"/>
+    <p:sldId id="383" r:id="rId26"/>
+    <p:sldId id="423" r:id="rId27"/>
+    <p:sldId id="384" r:id="rId28"/>
+    <p:sldId id="386" r:id="rId29"/>
+    <p:sldId id="385" r:id="rId30"/>
+    <p:sldId id="389" r:id="rId31"/>
+    <p:sldId id="390" r:id="rId32"/>
+    <p:sldId id="424" r:id="rId33"/>
   </p:sldIdLst>
   <p:sldSz cx="12192000" cy="6858000"/>
   <p:notesSz cx="6858000" cy="9144000"/>
@@ -227,7 +228,7 @@
           <a:p>
             <a:fld id="{3CBB8A52-8AC5-C74C-97FB-632C448F3674}" type="datetimeFigureOut">
               <a:rPr lang="en-US" smtClean="0"/>
-              <a:t>3/20/24</a:t>
+              <a:t>3/26/24</a:t>
             </a:fld>
             <a:endParaRPr lang="en-US"/>
           </a:p>
@@ -1339,7 +1340,7 @@
           <a:p>
             <a:fld id="{E666506D-5C9B-294C-B2AE-15ACE8B5B9F7}" type="slidenum">
               <a:rPr lang="en-US" smtClean="0"/>
-              <a:t>18</a:t>
+              <a:t>19</a:t>
             </a:fld>
             <a:endParaRPr lang="en-US"/>
           </a:p>
@@ -1447,7 +1448,7 @@
           <a:p>
             <a:fld id="{E666506D-5C9B-294C-B2AE-15ACE8B5B9F7}" type="slidenum">
               <a:rPr lang="en-US" smtClean="0"/>
-              <a:t>19</a:t>
+              <a:t>20</a:t>
             </a:fld>
             <a:endParaRPr lang="en-US"/>
           </a:p>
@@ -1555,7 +1556,7 @@
           <a:p>
             <a:fld id="{E666506D-5C9B-294C-B2AE-15ACE8B5B9F7}" type="slidenum">
               <a:rPr lang="en-US" smtClean="0"/>
-              <a:t>20</a:t>
+              <a:t>21</a:t>
             </a:fld>
             <a:endParaRPr lang="en-US"/>
           </a:p>
@@ -1663,7 +1664,7 @@
           <a:p>
             <a:fld id="{E666506D-5C9B-294C-B2AE-15ACE8B5B9F7}" type="slidenum">
               <a:rPr lang="en-US" smtClean="0"/>
-              <a:t>21</a:t>
+              <a:t>22</a:t>
             </a:fld>
             <a:endParaRPr lang="en-US"/>
           </a:p>
@@ -1931,7 +1932,7 @@
           <a:p>
             <a:fld id="{E666506D-5C9B-294C-B2AE-15ACE8B5B9F7}" type="slidenum">
               <a:rPr lang="en-US" smtClean="0"/>
-              <a:t>22</a:t>
+              <a:t>23</a:t>
             </a:fld>
             <a:endParaRPr lang="en-US"/>
           </a:p>
@@ -2039,7 +2040,7 @@
           <a:p>
             <a:fld id="{E666506D-5C9B-294C-B2AE-15ACE8B5B9F7}" type="slidenum">
               <a:rPr lang="en-US" smtClean="0"/>
-              <a:t>23</a:t>
+              <a:t>24</a:t>
             </a:fld>
             <a:endParaRPr lang="en-US"/>
           </a:p>
@@ -2147,7 +2148,7 @@
           <a:p>
             <a:fld id="{E666506D-5C9B-294C-B2AE-15ACE8B5B9F7}" type="slidenum">
               <a:rPr lang="en-US" smtClean="0"/>
-              <a:t>24</a:t>
+              <a:t>25</a:t>
             </a:fld>
             <a:endParaRPr lang="en-US"/>
           </a:p>
@@ -2255,7 +2256,7 @@
           <a:p>
             <a:fld id="{E666506D-5C9B-294C-B2AE-15ACE8B5B9F7}" type="slidenum">
               <a:rPr lang="en-US" smtClean="0"/>
-              <a:t>25</a:t>
+              <a:t>26</a:t>
             </a:fld>
             <a:endParaRPr lang="en-US"/>
           </a:p>
@@ -2363,7 +2364,7 @@
           <a:p>
             <a:fld id="{E666506D-5C9B-294C-B2AE-15ACE8B5B9F7}" type="slidenum">
               <a:rPr lang="en-US" smtClean="0"/>
-              <a:t>26</a:t>
+              <a:t>27</a:t>
             </a:fld>
             <a:endParaRPr lang="en-US"/>
           </a:p>
@@ -2471,7 +2472,7 @@
           <a:p>
             <a:fld id="{E666506D-5C9B-294C-B2AE-15ACE8B5B9F7}" type="slidenum">
               <a:rPr lang="en-US" smtClean="0"/>
-              <a:t>27</a:t>
+              <a:t>28</a:t>
             </a:fld>
             <a:endParaRPr lang="en-US"/>
           </a:p>
@@ -2579,7 +2580,7 @@
           <a:p>
             <a:fld id="{E666506D-5C9B-294C-B2AE-15ACE8B5B9F7}" type="slidenum">
               <a:rPr lang="en-US" smtClean="0"/>
-              <a:t>28</a:t>
+              <a:t>29</a:t>
             </a:fld>
             <a:endParaRPr lang="en-US"/>
           </a:p>
@@ -2687,7 +2688,7 @@
           <a:p>
             <a:fld id="{E666506D-5C9B-294C-B2AE-15ACE8B5B9F7}" type="slidenum">
               <a:rPr lang="en-US" smtClean="0"/>
-              <a:t>29</a:t>
+              <a:t>30</a:t>
             </a:fld>
             <a:endParaRPr lang="en-US"/>
           </a:p>
@@ -2795,7 +2796,7 @@
           <a:p>
             <a:fld id="{E666506D-5C9B-294C-B2AE-15ACE8B5B9F7}" type="slidenum">
               <a:rPr lang="en-US" smtClean="0"/>
-              <a:t>30</a:t>
+              <a:t>31</a:t>
             </a:fld>
             <a:endParaRPr lang="en-US"/>
           </a:p>
@@ -2903,7 +2904,7 @@
           <a:p>
             <a:fld id="{E666506D-5C9B-294C-B2AE-15ACE8B5B9F7}" type="slidenum">
               <a:rPr lang="en-US" smtClean="0"/>
-              <a:t>31</a:t>
+              <a:t>32</a:t>
             </a:fld>
             <a:endParaRPr lang="en-US"/>
           </a:p>
@@ -4007,7 +4008,7 @@
             <a:fld id="{5586B75A-687E-405C-8A0B-8D00578BA2C3}" type="datetimeFigureOut">
               <a:rPr lang="en-US" smtClean="0"/>
               <a:pPr/>
-              <a:t>3/20/24</a:t>
+              <a:t>3/26/24</a:t>
             </a:fld>
             <a:endParaRPr lang="en-US" dirty="0"/>
           </a:p>
@@ -4179,7 +4180,7 @@
             <a:fld id="{5586B75A-687E-405C-8A0B-8D00578BA2C3}" type="datetimeFigureOut">
               <a:rPr lang="en-US" smtClean="0"/>
               <a:pPr/>
-              <a:t>3/20/24</a:t>
+              <a:t>3/26/24</a:t>
             </a:fld>
             <a:endParaRPr lang="en-US" dirty="0"/>
           </a:p>
@@ -4361,7 +4362,7 @@
             <a:fld id="{5586B75A-687E-405C-8A0B-8D00578BA2C3}" type="datetimeFigureOut">
               <a:rPr lang="en-US" smtClean="0"/>
               <a:pPr/>
-              <a:t>3/20/24</a:t>
+              <a:t>3/26/24</a:t>
             </a:fld>
             <a:endParaRPr lang="en-US" dirty="0"/>
           </a:p>
@@ -4533,7 +4534,7 @@
             <a:fld id="{5586B75A-687E-405C-8A0B-8D00578BA2C3}" type="datetimeFigureOut">
               <a:rPr lang="en-US" smtClean="0"/>
               <a:pPr/>
-              <a:t>3/20/24</a:t>
+              <a:t>3/26/24</a:t>
             </a:fld>
             <a:endParaRPr lang="en-US" dirty="0"/>
           </a:p>
@@ -4789,7 +4790,7 @@
             <a:fld id="{5586B75A-687E-405C-8A0B-8D00578BA2C3}" type="datetimeFigureOut">
               <a:rPr lang="en-US" smtClean="0"/>
               <a:pPr/>
-              <a:t>3/20/24</a:t>
+              <a:t>3/26/24</a:t>
             </a:fld>
             <a:endParaRPr lang="en-US" dirty="0"/>
           </a:p>
@@ -5079,7 +5080,7 @@
             <a:fld id="{5586B75A-687E-405C-8A0B-8D00578BA2C3}" type="datetimeFigureOut">
               <a:rPr lang="en-US" smtClean="0"/>
               <a:pPr/>
-              <a:t>3/20/24</a:t>
+              <a:t>3/26/24</a:t>
             </a:fld>
             <a:endParaRPr lang="en-US" dirty="0"/>
           </a:p>
@@ -5523,7 +5524,7 @@
             <a:fld id="{5586B75A-687E-405C-8A0B-8D00578BA2C3}" type="datetimeFigureOut">
               <a:rPr lang="en-US" smtClean="0"/>
               <a:pPr/>
-              <a:t>3/20/24</a:t>
+              <a:t>3/26/24</a:t>
             </a:fld>
             <a:endParaRPr lang="en-US" dirty="0"/>
           </a:p>
@@ -5643,7 +5644,7 @@
             <a:fld id="{5586B75A-687E-405C-8A0B-8D00578BA2C3}" type="datetimeFigureOut">
               <a:rPr lang="en-US" smtClean="0"/>
               <a:pPr/>
-              <a:t>3/20/24</a:t>
+              <a:t>3/26/24</a:t>
             </a:fld>
             <a:endParaRPr lang="en-US" dirty="0"/>
           </a:p>
@@ -5740,7 +5741,7 @@
             <a:fld id="{5586B75A-687E-405C-8A0B-8D00578BA2C3}" type="datetimeFigureOut">
               <a:rPr lang="en-US" smtClean="0"/>
               <a:pPr/>
-              <a:t>3/20/24</a:t>
+              <a:t>3/26/24</a:t>
             </a:fld>
             <a:endParaRPr lang="en-US" dirty="0"/>
           </a:p>
@@ -6030,7 +6031,7 @@
             <a:fld id="{5586B75A-687E-405C-8A0B-8D00578BA2C3}" type="datetimeFigureOut">
               <a:rPr lang="en-US" smtClean="0"/>
               <a:pPr/>
-              <a:t>3/20/24</a:t>
+              <a:t>3/26/24</a:t>
             </a:fld>
             <a:endParaRPr lang="en-US" dirty="0"/>
           </a:p>
@@ -6305,7 +6306,7 @@
             <a:fld id="{5586B75A-687E-405C-8A0B-8D00578BA2C3}" type="datetimeFigureOut">
               <a:rPr lang="en-US" smtClean="0"/>
               <a:pPr/>
-              <a:t>3/20/24</a:t>
+              <a:t>3/26/24</a:t>
             </a:fld>
             <a:endParaRPr lang="en-US" dirty="0"/>
           </a:p>
@@ -6604,7 +6605,7 @@
             <a:fld id="{5586B75A-687E-405C-8A0B-8D00578BA2C3}" type="datetimeFigureOut">
               <a:rPr lang="en-US" smtClean="0"/>
               <a:pPr/>
-              <a:t>3/20/24</a:t>
+              <a:t>3/26/24</a:t>
             </a:fld>
             <a:endParaRPr lang="en-US" dirty="0"/>
           </a:p>
@@ -7255,8 +7256,8 @@
           </a:p>
         </p:txBody>
       </p:sp>
-      <mc:AlternateContent xmlns:mc="http://schemas.openxmlformats.org/markup-compatibility/2006">
-        <mc:Choice xmlns:a14="http://schemas.microsoft.com/office/drawing/2010/main" Requires="a14">
+      <mc:AlternateContent xmlns:mc="http://schemas.openxmlformats.org/markup-compatibility/2006" xmlns:a14="http://schemas.microsoft.com/office/drawing/2010/main">
+        <mc:Choice Requires="a14">
           <p:sp>
             <p:nvSpPr>
               <p:cNvPr id="2" name="TextBox 1">
@@ -7383,7 +7384,7 @@
             </p:txBody>
           </p:sp>
         </mc:Choice>
-        <mc:Fallback>
+        <mc:Fallback xmlns="">
           <p:sp>
             <p:nvSpPr>
               <p:cNvPr id="2" name="TextBox 1">
@@ -7525,8 +7526,8 @@
           </a:p>
         </p:txBody>
       </p:sp>
-      <mc:AlternateContent xmlns:mc="http://schemas.openxmlformats.org/markup-compatibility/2006">
-        <mc:Choice xmlns:a14="http://schemas.microsoft.com/office/drawing/2010/main" Requires="a14">
+      <mc:AlternateContent xmlns:mc="http://schemas.openxmlformats.org/markup-compatibility/2006" xmlns:a14="http://schemas.microsoft.com/office/drawing/2010/main">
+        <mc:Choice Requires="a14">
           <p:sp>
             <p:nvSpPr>
               <p:cNvPr id="2" name="TextBox 1">
@@ -7726,7 +7727,7 @@
             </p:txBody>
           </p:sp>
         </mc:Choice>
-        <mc:Fallback>
+        <mc:Fallback xmlns="">
           <p:sp>
             <p:nvSpPr>
               <p:cNvPr id="2" name="TextBox 1">
@@ -7838,8 +7839,8 @@
           </a:p>
         </p:txBody>
       </p:sp>
-      <mc:AlternateContent xmlns:mc="http://schemas.openxmlformats.org/markup-compatibility/2006">
-        <mc:Choice xmlns:a14="http://schemas.microsoft.com/office/drawing/2010/main" Requires="a14">
+      <mc:AlternateContent xmlns:mc="http://schemas.openxmlformats.org/markup-compatibility/2006" xmlns:a14="http://schemas.microsoft.com/office/drawing/2010/main">
+        <mc:Choice Requires="a14">
           <p:sp>
             <p:nvSpPr>
               <p:cNvPr id="2" name="TextBox 1">
@@ -8152,13 +8153,7 @@
                           <a:rPr lang="en-US" sz="2400" b="0" i="1" smtClean="0">
                             <a:latin typeface="Cambria Math" panose="02040503050406030204" pitchFamily="18" charset="0"/>
                           </a:rPr>
-                          <m:t> </m:t>
-                        </m:r>
-                        <m:r>
-                          <a:rPr lang="en-US" sz="2400" b="0" i="1" smtClean="0">
-                            <a:latin typeface="Cambria Math" panose="02040503050406030204" pitchFamily="18" charset="0"/>
-                          </a:rPr>
-                          <m:t>+</m:t>
+                          <m:t> +</m:t>
                         </m:r>
                         <m:sSup>
                           <m:sSupPr>
@@ -8209,7 +8204,7 @@
             </p:txBody>
           </p:sp>
         </mc:Choice>
-        <mc:Fallback>
+        <mc:Fallback xmlns="">
           <p:sp>
             <p:nvSpPr>
               <p:cNvPr id="2" name="TextBox 1">
@@ -8321,8 +8316,8 @@
           </a:p>
         </p:txBody>
       </p:sp>
-      <mc:AlternateContent xmlns:mc="http://schemas.openxmlformats.org/markup-compatibility/2006">
-        <mc:Choice xmlns:a14="http://schemas.microsoft.com/office/drawing/2010/main" Requires="a14">
+      <mc:AlternateContent xmlns:mc="http://schemas.openxmlformats.org/markup-compatibility/2006" xmlns:a14="http://schemas.microsoft.com/office/drawing/2010/main">
+        <mc:Choice Requires="a14">
           <p:sp>
             <p:nvSpPr>
               <p:cNvPr id="2" name="TextBox 1">
@@ -8767,7 +8762,7 @@
             </p:txBody>
           </p:sp>
         </mc:Choice>
-        <mc:Fallback>
+        <mc:Fallback xmlns="">
           <p:sp>
             <p:nvSpPr>
               <p:cNvPr id="2" name="TextBox 1">
@@ -8879,8 +8874,8 @@
           </a:p>
         </p:txBody>
       </p:sp>
-      <mc:AlternateContent xmlns:mc="http://schemas.openxmlformats.org/markup-compatibility/2006">
-        <mc:Choice xmlns:a14="http://schemas.microsoft.com/office/drawing/2010/main" Requires="a14">
+      <mc:AlternateContent xmlns:mc="http://schemas.openxmlformats.org/markup-compatibility/2006" xmlns:a14="http://schemas.microsoft.com/office/drawing/2010/main">
+        <mc:Choice Requires="a14">
           <p:sp>
             <p:nvSpPr>
               <p:cNvPr id="2" name="TextBox 1">
@@ -9322,7 +9317,7 @@
             </p:txBody>
           </p:sp>
         </mc:Choice>
-        <mc:Fallback>
+        <mc:Fallback xmlns="">
           <p:sp>
             <p:nvSpPr>
               <p:cNvPr id="2" name="TextBox 1">
@@ -9367,8 +9362,8 @@
           </p:sp>
         </mc:Fallback>
       </mc:AlternateContent>
-      <mc:AlternateContent xmlns:mc="http://schemas.openxmlformats.org/markup-compatibility/2006">
-        <mc:Choice xmlns:a14="http://schemas.microsoft.com/office/drawing/2010/main" Requires="a14">
+      <mc:AlternateContent xmlns:mc="http://schemas.openxmlformats.org/markup-compatibility/2006" xmlns:a14="http://schemas.microsoft.com/office/drawing/2010/main">
+        <mc:Choice Requires="a14">
           <p:sp>
             <p:nvSpPr>
               <p:cNvPr id="3" name="Rounded Rectangle 2">
@@ -9458,7 +9453,7 @@
             </p:txBody>
           </p:sp>
         </mc:Choice>
-        <mc:Fallback>
+        <mc:Fallback xmlns="">
           <p:sp>
             <p:nvSpPr>
               <p:cNvPr id="3" name="Rounded Rectangle 2">
@@ -9570,8 +9565,8 @@
           </a:p>
         </p:txBody>
       </p:sp>
-      <mc:AlternateContent xmlns:mc="http://schemas.openxmlformats.org/markup-compatibility/2006">
-        <mc:Choice xmlns:a14="http://schemas.microsoft.com/office/drawing/2010/main" Requires="a14">
+      <mc:AlternateContent xmlns:mc="http://schemas.openxmlformats.org/markup-compatibility/2006" xmlns:a14="http://schemas.microsoft.com/office/drawing/2010/main">
+        <mc:Choice Requires="a14">
           <p:sp>
             <p:nvSpPr>
               <p:cNvPr id="2" name="TextBox 1">
@@ -10013,7 +10008,7 @@
             </p:txBody>
           </p:sp>
         </mc:Choice>
-        <mc:Fallback>
+        <mc:Fallback xmlns="">
           <p:sp>
             <p:nvSpPr>
               <p:cNvPr id="2" name="TextBox 1">
@@ -10102,7 +10097,27 @@
                 <a:pPr algn="ctr"/>
                 <a:r>
                   <a:rPr lang="en-US" sz="2400" dirty="0"/>
-                  <a:t>You suspect that on average WSU students work 15 hours/week . You perform an experiment to statistically test this suspicion. You sample 100 students and calculate their average number of hours worked per week to be 25. Calculate a 95% CI for </a:t>
+                  <a:t>You suspect that on average WSU students work 15 hours/week . You perform an experiment to statistically test this suspicion. You sample 100 students and calculate their average number of hours worked per week to be 25, with </a:t>
+                </a:r>
+                <a14:m>
+                  <m:oMath xmlns:m="http://schemas.openxmlformats.org/officeDocument/2006/math">
+                    <m:r>
+                      <a:rPr lang="en-US" sz="2400" b="0" i="1" smtClean="0">
+                        <a:latin typeface="Cambria Math" panose="02040503050406030204" pitchFamily="18" charset="0"/>
+                      </a:rPr>
+                      <m:t>𝑠</m:t>
+                    </m:r>
+                    <m:r>
+                      <a:rPr lang="en-US" sz="2400" b="0" i="1" smtClean="0">
+                        <a:latin typeface="Cambria Math" panose="02040503050406030204" pitchFamily="18" charset="0"/>
+                      </a:rPr>
+                      <m:t>=5</m:t>
+                    </m:r>
+                  </m:oMath>
+                </a14:m>
+                <a:r>
+                  <a:rPr lang="en-US" sz="2400" dirty="0"/>
+                  <a:t>. Calculate a 95% CI for </a:t>
                 </a:r>
                 <a14:m>
                   <m:oMath xmlns:m="http://schemas.openxmlformats.org/officeDocument/2006/math">
@@ -10260,8 +10275,8 @@
           </a:p>
         </p:txBody>
       </p:sp>
-      <mc:AlternateContent xmlns:mc="http://schemas.openxmlformats.org/markup-compatibility/2006">
-        <mc:Choice xmlns:a14="http://schemas.microsoft.com/office/drawing/2010/main" Requires="a14">
+      <mc:AlternateContent xmlns:mc="http://schemas.openxmlformats.org/markup-compatibility/2006" xmlns:a14="http://schemas.microsoft.com/office/drawing/2010/main">
+        <mc:Choice Requires="a14">
           <p:sp>
             <p:nvSpPr>
               <p:cNvPr id="2" name="TextBox 1">
@@ -10447,7 +10462,7 @@
             </p:txBody>
           </p:sp>
         </mc:Choice>
-        <mc:Fallback>
+        <mc:Fallback xmlns="">
           <p:sp>
             <p:nvSpPr>
               <p:cNvPr id="2" name="TextBox 1">
@@ -10559,8 +10574,8 @@
           </a:p>
         </p:txBody>
       </p:sp>
-      <mc:AlternateContent xmlns:mc="http://schemas.openxmlformats.org/markup-compatibility/2006">
-        <mc:Choice xmlns:a14="http://schemas.microsoft.com/office/drawing/2010/main" Requires="a14">
+      <mc:AlternateContent xmlns:mc="http://schemas.openxmlformats.org/markup-compatibility/2006" xmlns:a14="http://schemas.microsoft.com/office/drawing/2010/main">
+        <mc:Choice Requires="a14">
           <p:sp>
             <p:nvSpPr>
               <p:cNvPr id="2" name="TextBox 1">
@@ -10840,7 +10855,6 @@
                 <a:endParaRPr lang="en-US" sz="2400" dirty="0"/>
               </a:p>
               <a:p>
-                <a:pPr/>
                 <a:r>
                   <a:rPr lang="en-US" sz="2400" dirty="0"/>
                   <a:t>Degrees of freedom, </a:t>
@@ -10878,7 +10892,7 @@
             </p:txBody>
           </p:sp>
         </mc:Choice>
-        <mc:Fallback>
+        <mc:Fallback xmlns="">
           <p:sp>
             <p:nvSpPr>
               <p:cNvPr id="2" name="TextBox 1">
@@ -10940,6 +10954,93 @@
 </file>
 
 <file path=ppt/slides/slide18.xml><?xml version="1.0" encoding="utf-8"?>
+<p:sld xmlns:a="http://schemas.openxmlformats.org/drawingml/2006/main" xmlns:r="http://schemas.openxmlformats.org/officeDocument/2006/relationships" xmlns:p="http://schemas.openxmlformats.org/presentationml/2006/main">
+  <p:cSld>
+    <p:spTree>
+      <p:nvGrpSpPr>
+        <p:cNvPr id="1" name=""/>
+        <p:cNvGrpSpPr/>
+        <p:nvPr/>
+      </p:nvGrpSpPr>
+      <p:grpSpPr>
+        <a:xfrm>
+          <a:off x="0" y="0"/>
+          <a:ext cx="0" cy="0"/>
+          <a:chOff x="0" y="0"/>
+          <a:chExt cx="0" cy="0"/>
+        </a:xfrm>
+      </p:grpSpPr>
+      <p:sp>
+        <p:nvSpPr>
+          <p:cNvPr id="2" name="Title 1">
+            <a:extLst>
+              <a:ext uri="{FF2B5EF4-FFF2-40B4-BE49-F238E27FC236}">
+                <a16:creationId xmlns:a16="http://schemas.microsoft.com/office/drawing/2014/main" id="{41413DAE-A441-E74A-ADFA-A583E9F51B52}"/>
+              </a:ext>
+            </a:extLst>
+          </p:cNvPr>
+          <p:cNvSpPr>
+            <a:spLocks noGrp="1"/>
+          </p:cNvSpPr>
+          <p:nvPr>
+            <p:ph type="title"/>
+          </p:nvPr>
+        </p:nvSpPr>
+        <p:spPr/>
+        <p:txBody>
+          <a:bodyPr/>
+          <a:lstStyle/>
+          <a:p>
+            <a:r>
+              <a:rPr lang="en-US" dirty="0"/>
+              <a:t>Start </a:t>
+            </a:r>
+            <a:r>
+              <a:rPr lang="en-US"/>
+              <a:t>here Thursday</a:t>
+            </a:r>
+          </a:p>
+        </p:txBody>
+      </p:sp>
+      <p:sp>
+        <p:nvSpPr>
+          <p:cNvPr id="3" name="Text Placeholder 2">
+            <a:extLst>
+              <a:ext uri="{FF2B5EF4-FFF2-40B4-BE49-F238E27FC236}">
+                <a16:creationId xmlns:a16="http://schemas.microsoft.com/office/drawing/2014/main" id="{D59A69D9-5FAB-7185-A664-1E2436D7A4E5}"/>
+              </a:ext>
+            </a:extLst>
+          </p:cNvPr>
+          <p:cNvSpPr>
+            <a:spLocks noGrp="1"/>
+          </p:cNvSpPr>
+          <p:nvPr>
+            <p:ph type="body" idx="1"/>
+          </p:nvPr>
+        </p:nvSpPr>
+        <p:spPr/>
+        <p:txBody>
+          <a:bodyPr/>
+          <a:lstStyle/>
+          <a:p>
+            <a:endParaRPr lang="en-US"/>
+          </a:p>
+        </p:txBody>
+      </p:sp>
+    </p:spTree>
+    <p:extLst>
+      <p:ext uri="{BB962C8B-B14F-4D97-AF65-F5344CB8AC3E}">
+        <p14:creationId xmlns:p14="http://schemas.microsoft.com/office/powerpoint/2010/main" val="3755456735"/>
+      </p:ext>
+    </p:extLst>
+  </p:cSld>
+  <p:clrMapOvr>
+    <a:masterClrMapping/>
+  </p:clrMapOvr>
+</p:sld>
+</file>
+
+<file path=ppt/slides/slide19.xml><?xml version="1.0" encoding="utf-8"?>
 <p:sld xmlns:a="http://schemas.openxmlformats.org/drawingml/2006/main" xmlns:r="http://schemas.openxmlformats.org/officeDocument/2006/relationships" xmlns:p="http://schemas.openxmlformats.org/presentationml/2006/main">
   <p:cSld>
     <p:spTree>
@@ -10990,8 +11091,8 @@
           </a:p>
         </p:txBody>
       </p:sp>
-      <mc:AlternateContent xmlns:mc="http://schemas.openxmlformats.org/markup-compatibility/2006">
-        <mc:Choice xmlns:a14="http://schemas.microsoft.com/office/drawing/2010/main" Requires="a14">
+      <mc:AlternateContent xmlns:mc="http://schemas.openxmlformats.org/markup-compatibility/2006" xmlns:a14="http://schemas.microsoft.com/office/drawing/2010/main">
+        <mc:Choice Requires="a14">
           <p:sp>
             <p:nvSpPr>
               <p:cNvPr id="2" name="TextBox 1">
@@ -11271,7 +11372,6 @@
                 <a:endParaRPr lang="en-US" sz="2400" dirty="0"/>
               </a:p>
               <a:p>
-                <a:pPr/>
                 <a:r>
                   <a:rPr lang="en-US" sz="2400" dirty="0"/>
                   <a:t>Degrees of freedom, </a:t>
@@ -11309,7 +11409,7 @@
             </p:txBody>
           </p:sp>
         </mc:Choice>
-        <mc:Fallback>
+        <mc:Fallback xmlns="">
           <p:sp>
             <p:nvSpPr>
               <p:cNvPr id="2" name="TextBox 1">
@@ -11398,7 +11498,27 @@
                 <a:pPr algn="ctr"/>
                 <a:r>
                   <a:rPr lang="en-US" sz="2400" dirty="0"/>
-                  <a:t>You suspect that on average WSU students work 15 hours/week . You perform an experiment to statistically test this suspicion. You sample 100 students and calculate their average number of hours worked per week to be 25. Perform a hypothesis test for </a:t>
+                  <a:t>You suspect that on average WSU students work 15 hours/week . You perform an experiment to statistically test this suspicion. You sample 100 students and calculate their average number of hours worked per week to be 25 with </a:t>
+                </a:r>
+                <a14:m>
+                  <m:oMath xmlns:m="http://schemas.openxmlformats.org/officeDocument/2006/math">
+                    <m:r>
+                      <a:rPr lang="en-US" sz="2400" b="0" i="1" smtClean="0">
+                        <a:latin typeface="Cambria Math" panose="02040503050406030204" pitchFamily="18" charset="0"/>
+                      </a:rPr>
+                      <m:t>𝑠</m:t>
+                    </m:r>
+                    <m:r>
+                      <a:rPr lang="en-US" sz="2400" b="0" i="1" smtClean="0">
+                        <a:latin typeface="Cambria Math" panose="02040503050406030204" pitchFamily="18" charset="0"/>
+                      </a:rPr>
+                      <m:t>=5</m:t>
+                    </m:r>
+                  </m:oMath>
+                </a14:m>
+                <a:r>
+                  <a:rPr lang="en-US" sz="2400" dirty="0"/>
+                  <a:t>. Perform a hypothesis test for </a:t>
                 </a:r>
                 <a14:m>
                   <m:oMath xmlns:m="http://schemas.openxmlformats.org/officeDocument/2006/math">
@@ -11567,143 +11687,6 @@
     <p:extLst>
       <p:ext uri="{BB962C8B-B14F-4D97-AF65-F5344CB8AC3E}">
         <p14:creationId xmlns:p14="http://schemas.microsoft.com/office/powerpoint/2010/main" val="2510387869"/>
-      </p:ext>
-    </p:extLst>
-  </p:cSld>
-  <p:clrMapOvr>
-    <a:masterClrMapping/>
-  </p:clrMapOvr>
-  <p:transition>
-    <p:cut/>
-  </p:transition>
-</p:sld>
-</file>
-
-<file path=ppt/slides/slide19.xml><?xml version="1.0" encoding="utf-8"?>
-<p:sld xmlns:a="http://schemas.openxmlformats.org/drawingml/2006/main" xmlns:r="http://schemas.openxmlformats.org/officeDocument/2006/relationships" xmlns:p="http://schemas.openxmlformats.org/presentationml/2006/main">
-  <p:cSld>
-    <p:spTree>
-      <p:nvGrpSpPr>
-        <p:cNvPr id="1" name="">
-          <a:extLst>
-            <a:ext uri="{FF2B5EF4-FFF2-40B4-BE49-F238E27FC236}">
-              <a16:creationId xmlns:a16="http://schemas.microsoft.com/office/drawing/2014/main" id="{51E8B79B-E8E6-9CBC-CFFE-FCF3DF3ACC0B}"/>
-            </a:ext>
-          </a:extLst>
-        </p:cNvPr>
-        <p:cNvGrpSpPr/>
-        <p:nvPr/>
-      </p:nvGrpSpPr>
-      <p:grpSpPr>
-        <a:xfrm>
-          <a:off x="0" y="0"/>
-          <a:ext cx="0" cy="0"/>
-          <a:chOff x="0" y="0"/>
-          <a:chExt cx="0" cy="0"/>
-        </a:xfrm>
-      </p:grpSpPr>
-      <p:sp>
-        <p:nvSpPr>
-          <p:cNvPr id="25" name="Title 24">
-            <a:extLst>
-              <a:ext uri="{FF2B5EF4-FFF2-40B4-BE49-F238E27FC236}">
-                <a16:creationId xmlns:a16="http://schemas.microsoft.com/office/drawing/2014/main" id="{F8453FC2-5BE9-D49A-A77C-346F0550F648}"/>
-              </a:ext>
-            </a:extLst>
-          </p:cNvPr>
-          <p:cNvSpPr>
-            <a:spLocks noGrp="1"/>
-          </p:cNvSpPr>
-          <p:nvPr>
-            <p:ph type="title"/>
-          </p:nvPr>
-        </p:nvSpPr>
-        <p:spPr/>
-        <p:txBody>
-          <a:bodyPr/>
-          <a:lstStyle/>
-          <a:p>
-            <a:r>
-              <a:rPr lang="en-US" dirty="0"/>
-              <a:t>Inference for Two Independent Means</a:t>
-            </a:r>
-          </a:p>
-        </p:txBody>
-      </p:sp>
-      <p:sp>
-        <p:nvSpPr>
-          <p:cNvPr id="10" name="TextBox 9">
-            <a:extLst>
-              <a:ext uri="{FF2B5EF4-FFF2-40B4-BE49-F238E27FC236}">
-                <a16:creationId xmlns:a16="http://schemas.microsoft.com/office/drawing/2014/main" id="{5912FD36-5C56-DDF1-A12A-DEA4F04B44F4}"/>
-              </a:ext>
-            </a:extLst>
-          </p:cNvPr>
-          <p:cNvSpPr txBox="1"/>
-          <p:nvPr/>
-        </p:nvSpPr>
-        <p:spPr>
-          <a:xfrm>
-            <a:off x="3481772" y="276950"/>
-            <a:ext cx="8311008" cy="4524315"/>
-          </a:xfrm>
-          <a:prstGeom prst="rect">
-            <a:avLst/>
-          </a:prstGeom>
-          <a:noFill/>
-        </p:spPr>
-        <p:txBody>
-          <a:bodyPr wrap="square" rtlCol="0">
-            <a:spAutoFit/>
-          </a:bodyPr>
-          <a:lstStyle/>
-          <a:p>
-            <a:r>
-              <a:rPr lang="en-US" sz="2400" dirty="0"/>
-              <a:t>So far, we’ve done inference to see if our population mean differs from some hypothesized value.</a:t>
-            </a:r>
-          </a:p>
-          <a:p>
-            <a:endParaRPr lang="en-US" sz="2400" dirty="0"/>
-          </a:p>
-          <a:p>
-            <a:r>
-              <a:rPr lang="en-US" sz="2400" dirty="0"/>
-              <a:t>	Ex. Is the average number of hours WSU students work per 	week 15?</a:t>
-            </a:r>
-          </a:p>
-          <a:p>
-            <a:endParaRPr lang="en-US" sz="2400" dirty="0"/>
-          </a:p>
-          <a:p>
-            <a:r>
-              <a:rPr lang="en-US" sz="2400" dirty="0"/>
-              <a:t>Sometimes our research question instead focuses on </a:t>
-            </a:r>
-            <a:r>
-              <a:rPr lang="en-US" sz="2400" b="1" dirty="0"/>
-              <a:t>comparing means from two independent groups</a:t>
-            </a:r>
-            <a:r>
-              <a:rPr lang="en-US" sz="2400" dirty="0"/>
-              <a:t>. </a:t>
-            </a:r>
-          </a:p>
-          <a:p>
-            <a:endParaRPr lang="en-US" sz="2400" dirty="0"/>
-          </a:p>
-          <a:p>
-            <a:r>
-              <a:rPr lang="en-US" sz="2400" dirty="0"/>
-              <a:t>	Ex. Is the average number of hours WSU students work per 	week different than the average number of hours Springfield 	College students work per week? </a:t>
-            </a:r>
-          </a:p>
-        </p:txBody>
-      </p:sp>
-    </p:spTree>
-    <p:extLst>
-      <p:ext uri="{BB962C8B-B14F-4D97-AF65-F5344CB8AC3E}">
-        <p14:creationId xmlns:p14="http://schemas.microsoft.com/office/powerpoint/2010/main" val="2284837137"/>
       </p:ext>
     </p:extLst>
   </p:cSld>
@@ -11884,7 +11867,7 @@
         <p:spPr>
           <a:xfrm>
             <a:off x="3481772" y="276950"/>
-            <a:ext cx="8311008" cy="6370975"/>
+            <a:ext cx="8311008" cy="4524315"/>
           </a:xfrm>
           <a:prstGeom prst="rect">
             <a:avLst/>
@@ -11937,33 +11920,12 @@
               <a:t>	Ex. Is the average number of hours WSU students work per 	week different than the average number of hours Springfield 	College students work per week? </a:t>
             </a:r>
           </a:p>
-          <a:p>
-            <a:endParaRPr lang="en-US" sz="2400" dirty="0"/>
-          </a:p>
-          <a:p>
-            <a:r>
-              <a:rPr lang="en-US" sz="2400" dirty="0"/>
-              <a:t>Just like with one mean, we can use sample statistics to infer the population level answer to this question with </a:t>
-            </a:r>
-          </a:p>
-          <a:p>
-            <a:r>
-              <a:rPr lang="en-US" sz="2400" dirty="0"/>
-              <a:t>(a) a confidence interval and/or</a:t>
-            </a:r>
-          </a:p>
-          <a:p>
-            <a:r>
-              <a:rPr lang="en-US" sz="2400" dirty="0"/>
-              <a:t>(b) a hypothesis test </a:t>
-            </a:r>
-          </a:p>
         </p:txBody>
       </p:sp>
     </p:spTree>
     <p:extLst>
       <p:ext uri="{BB962C8B-B14F-4D97-AF65-F5344CB8AC3E}">
-        <p14:creationId xmlns:p14="http://schemas.microsoft.com/office/powerpoint/2010/main" val="1412709834"/>
+        <p14:creationId xmlns:p14="http://schemas.microsoft.com/office/powerpoint/2010/main" val="2284837137"/>
       </p:ext>
     </p:extLst>
   </p:cSld>
@@ -12027,208 +11989,101 @@
           </a:p>
         </p:txBody>
       </p:sp>
-      <mc:AlternateContent xmlns:mc="http://schemas.openxmlformats.org/markup-compatibility/2006">
-        <mc:Choice xmlns:a14="http://schemas.microsoft.com/office/drawing/2010/main" Requires="a14">
-          <p:sp>
-            <p:nvSpPr>
-              <p:cNvPr id="10" name="TextBox 9">
-                <a:extLst>
-                  <a:ext uri="{FF2B5EF4-FFF2-40B4-BE49-F238E27FC236}">
-                    <a16:creationId xmlns:a16="http://schemas.microsoft.com/office/drawing/2014/main" id="{5912FD36-5C56-DDF1-A12A-DEA4F04B44F4}"/>
-                  </a:ext>
-                </a:extLst>
-              </p:cNvPr>
-              <p:cNvSpPr txBox="1"/>
-              <p:nvPr/>
-            </p:nvSpPr>
-            <p:spPr>
-              <a:xfrm>
-                <a:off x="3481772" y="276950"/>
-                <a:ext cx="8311008" cy="3829831"/>
-              </a:xfrm>
-              <a:prstGeom prst="rect">
-                <a:avLst/>
-              </a:prstGeom>
-              <a:noFill/>
-            </p:spPr>
-            <p:txBody>
-              <a:bodyPr wrap="square" rtlCol="0">
-                <a:spAutoFit/>
-              </a:bodyPr>
-              <a:lstStyle/>
-              <a:p>
-                <a:r>
-                  <a:rPr lang="en-US" sz="2400" dirty="0"/>
-                  <a:t>To compare two independent means, we look at their difference. </a:t>
-                </a:r>
-              </a:p>
-              <a:p>
-                <a:endParaRPr lang="en-US" sz="2400" dirty="0"/>
-              </a:p>
-              <a:p>
-                <a:r>
-                  <a:rPr lang="en-US" sz="2400" dirty="0"/>
-                  <a:t>	 Ex. Is the average number of hours WSU students work per 	week different than the average number of hours Springfield 	College students work per week? </a:t>
-                </a:r>
-              </a:p>
-              <a:p>
-                <a:endParaRPr lang="en-US" sz="2400" dirty="0"/>
-              </a:p>
-              <a:p>
-                <a:r>
-                  <a:rPr lang="en-US" sz="2400" dirty="0"/>
-                  <a:t>	To answer this, we need to look at </a:t>
-                </a:r>
-                <a14:m>
-                  <m:oMath xmlns:m="http://schemas.openxmlformats.org/officeDocument/2006/math">
-                    <m:sSub>
-                      <m:sSubPr>
-                        <m:ctrlPr>
-                          <a:rPr lang="en-US" sz="2400" b="0" i="1" dirty="0" smtClean="0">
-                            <a:latin typeface="Cambria Math" panose="02040503050406030204" pitchFamily="18" charset="0"/>
-                          </a:rPr>
-                        </m:ctrlPr>
-                      </m:sSubPr>
-                      <m:e>
-                        <m:acc>
-                          <m:accPr>
-                            <m:chr m:val="̅"/>
-                            <m:ctrlPr>
-                              <a:rPr lang="en-US" sz="2400" b="0" i="1" dirty="0" smtClean="0">
-                                <a:latin typeface="Cambria Math" panose="02040503050406030204" pitchFamily="18" charset="0"/>
-                              </a:rPr>
-                            </m:ctrlPr>
-                          </m:accPr>
-                          <m:e>
-                            <m:r>
-                              <a:rPr lang="en-US" sz="2400" b="0" i="1" dirty="0" smtClean="0">
-                                <a:latin typeface="Cambria Math" panose="02040503050406030204" pitchFamily="18" charset="0"/>
-                              </a:rPr>
-                              <m:t>𝑥</m:t>
-                            </m:r>
-                          </m:e>
-                        </m:acc>
-                      </m:e>
-                      <m:sub>
-                        <m:r>
-                          <a:rPr lang="en-US" sz="2400" b="0" i="1" dirty="0" smtClean="0">
-                            <a:latin typeface="Cambria Math" panose="02040503050406030204" pitchFamily="18" charset="0"/>
-                          </a:rPr>
-                          <m:t>𝑊𝑆𝑈</m:t>
-                        </m:r>
-                      </m:sub>
-                    </m:sSub>
-                    <m:r>
-                      <a:rPr lang="en-US" sz="2400" b="0" i="1" dirty="0" smtClean="0">
-                        <a:latin typeface="Cambria Math" panose="02040503050406030204" pitchFamily="18" charset="0"/>
-                      </a:rPr>
-                      <m:t>−</m:t>
-                    </m:r>
-                    <m:sSub>
-                      <m:sSubPr>
-                        <m:ctrlPr>
-                          <a:rPr lang="en-US" sz="2400" b="0" i="1" dirty="0" smtClean="0">
-                            <a:latin typeface="Cambria Math" panose="02040503050406030204" pitchFamily="18" charset="0"/>
-                          </a:rPr>
-                        </m:ctrlPr>
-                      </m:sSubPr>
-                      <m:e>
-                        <m:acc>
-                          <m:accPr>
-                            <m:chr m:val="̅"/>
-                            <m:ctrlPr>
-                              <a:rPr lang="en-US" sz="2400" b="0" i="1" dirty="0" smtClean="0">
-                                <a:latin typeface="Cambria Math" panose="02040503050406030204" pitchFamily="18" charset="0"/>
-                              </a:rPr>
-                            </m:ctrlPr>
-                          </m:accPr>
-                          <m:e>
-                            <m:r>
-                              <a:rPr lang="en-US" sz="2400" b="0" i="1" dirty="0" smtClean="0">
-                                <a:latin typeface="Cambria Math" panose="02040503050406030204" pitchFamily="18" charset="0"/>
-                              </a:rPr>
-                              <m:t>𝑥</m:t>
-                            </m:r>
-                          </m:e>
-                        </m:acc>
-                      </m:e>
-                      <m:sub>
-                        <m:r>
-                          <a:rPr lang="en-US" sz="2400" b="0" i="1" dirty="0" smtClean="0">
-                            <a:latin typeface="Cambria Math" panose="02040503050406030204" pitchFamily="18" charset="0"/>
-                          </a:rPr>
-                          <m:t>𝑆𝐶</m:t>
-                        </m:r>
-                      </m:sub>
-                    </m:sSub>
-                  </m:oMath>
-                </a14:m>
-                <a:endParaRPr lang="en-US" sz="2400" dirty="0"/>
-              </a:p>
-              <a:p>
-                <a:endParaRPr lang="en-US" sz="2400" dirty="0"/>
-              </a:p>
-              <a:p>
-                <a:r>
-                  <a:rPr lang="en-US" sz="2400" dirty="0"/>
-                  <a:t>  </a:t>
-                </a:r>
-              </a:p>
-              <a:p>
-                <a:endParaRPr lang="en-US" sz="2400" dirty="0"/>
-              </a:p>
-            </p:txBody>
-          </p:sp>
-        </mc:Choice>
-        <mc:Fallback>
-          <p:sp>
-            <p:nvSpPr>
-              <p:cNvPr id="10" name="TextBox 9">
-                <a:extLst>
-                  <a:ext uri="{FF2B5EF4-FFF2-40B4-BE49-F238E27FC236}">
-                    <a16:creationId xmlns:a16="http://schemas.microsoft.com/office/drawing/2014/main" id="{5912FD36-5C56-DDF1-A12A-DEA4F04B44F4}"/>
-                  </a:ext>
-                </a:extLst>
-              </p:cNvPr>
-              <p:cNvSpPr txBox="1">
-                <a:spLocks noRot="1" noChangeAspect="1" noMove="1" noResize="1" noEditPoints="1" noAdjustHandles="1" noChangeArrowheads="1" noChangeShapeType="1" noTextEdit="1"/>
-              </p:cNvSpPr>
-              <p:nvPr/>
-            </p:nvSpPr>
-            <p:spPr>
-              <a:xfrm>
-                <a:off x="3481772" y="276950"/>
-                <a:ext cx="8311008" cy="3829831"/>
-              </a:xfrm>
-              <a:prstGeom prst="rect">
-                <a:avLst/>
-              </a:prstGeom>
-              <a:blipFill>
-                <a:blip r:embed="rId3"/>
-                <a:stretch>
-                  <a:fillRect l="-1221" t="-1320" r="-1527"/>
-                </a:stretch>
-              </a:blipFill>
-            </p:spPr>
-            <p:txBody>
-              <a:bodyPr/>
-              <a:lstStyle/>
-              <a:p>
-                <a:r>
-                  <a:rPr lang="en-US">
-                    <a:noFill/>
-                  </a:rPr>
-                  <a:t> </a:t>
-                </a:r>
-              </a:p>
-            </p:txBody>
-          </p:sp>
-        </mc:Fallback>
-      </mc:AlternateContent>
+      <p:sp>
+        <p:nvSpPr>
+          <p:cNvPr id="10" name="TextBox 9">
+            <a:extLst>
+              <a:ext uri="{FF2B5EF4-FFF2-40B4-BE49-F238E27FC236}">
+                <a16:creationId xmlns:a16="http://schemas.microsoft.com/office/drawing/2014/main" id="{5912FD36-5C56-DDF1-A12A-DEA4F04B44F4}"/>
+              </a:ext>
+            </a:extLst>
+          </p:cNvPr>
+          <p:cNvSpPr txBox="1"/>
+          <p:nvPr/>
+        </p:nvSpPr>
+        <p:spPr>
+          <a:xfrm>
+            <a:off x="3481772" y="276950"/>
+            <a:ext cx="8311008" cy="6370975"/>
+          </a:xfrm>
+          <a:prstGeom prst="rect">
+            <a:avLst/>
+          </a:prstGeom>
+          <a:noFill/>
+        </p:spPr>
+        <p:txBody>
+          <a:bodyPr wrap="square" rtlCol="0">
+            <a:spAutoFit/>
+          </a:bodyPr>
+          <a:lstStyle/>
+          <a:p>
+            <a:r>
+              <a:rPr lang="en-US" sz="2400" dirty="0"/>
+              <a:t>So far, we’ve done inference to see if our population mean differs from some hypothesized value.</a:t>
+            </a:r>
+          </a:p>
+          <a:p>
+            <a:endParaRPr lang="en-US" sz="2400" dirty="0"/>
+          </a:p>
+          <a:p>
+            <a:r>
+              <a:rPr lang="en-US" sz="2400" dirty="0"/>
+              <a:t>	Ex. Is the average number of hours WSU students work per 	week 15?</a:t>
+            </a:r>
+          </a:p>
+          <a:p>
+            <a:endParaRPr lang="en-US" sz="2400" dirty="0"/>
+          </a:p>
+          <a:p>
+            <a:r>
+              <a:rPr lang="en-US" sz="2400" dirty="0"/>
+              <a:t>Sometimes our research question instead focuses on </a:t>
+            </a:r>
+            <a:r>
+              <a:rPr lang="en-US" sz="2400" b="1" dirty="0"/>
+              <a:t>comparing means from two independent groups</a:t>
+            </a:r>
+            <a:r>
+              <a:rPr lang="en-US" sz="2400" dirty="0"/>
+              <a:t>. </a:t>
+            </a:r>
+          </a:p>
+          <a:p>
+            <a:endParaRPr lang="en-US" sz="2400" dirty="0"/>
+          </a:p>
+          <a:p>
+            <a:r>
+              <a:rPr lang="en-US" sz="2400" dirty="0"/>
+              <a:t>	Ex. Is the average number of hours WSU students work per 	week different than the average number of hours Springfield 	College students work per week? </a:t>
+            </a:r>
+          </a:p>
+          <a:p>
+            <a:endParaRPr lang="en-US" sz="2400" dirty="0"/>
+          </a:p>
+          <a:p>
+            <a:r>
+              <a:rPr lang="en-US" sz="2400" dirty="0"/>
+              <a:t>Just like with one mean, we can use sample statistics to infer the population level answer to this question with </a:t>
+            </a:r>
+          </a:p>
+          <a:p>
+            <a:r>
+              <a:rPr lang="en-US" sz="2400" dirty="0"/>
+              <a:t>(a) a confidence interval and/or</a:t>
+            </a:r>
+          </a:p>
+          <a:p>
+            <a:r>
+              <a:rPr lang="en-US" sz="2400" dirty="0"/>
+              <a:t>(b) a hypothesis test </a:t>
+            </a:r>
+          </a:p>
+        </p:txBody>
+      </p:sp>
     </p:spTree>
     <p:extLst>
       <p:ext uri="{BB962C8B-B14F-4D97-AF65-F5344CB8AC3E}">
-        <p14:creationId xmlns:p14="http://schemas.microsoft.com/office/powerpoint/2010/main" val="3268904710"/>
+        <p14:creationId xmlns:p14="http://schemas.microsoft.com/office/powerpoint/2010/main" val="1412709834"/>
       </p:ext>
     </p:extLst>
   </p:cSld>
@@ -12292,8 +12147,273 @@
           </a:p>
         </p:txBody>
       </p:sp>
-      <mc:AlternateContent xmlns:mc="http://schemas.openxmlformats.org/markup-compatibility/2006">
-        <mc:Choice xmlns:a14="http://schemas.microsoft.com/office/drawing/2010/main" Requires="a14">
+      <mc:AlternateContent xmlns:mc="http://schemas.openxmlformats.org/markup-compatibility/2006" xmlns:a14="http://schemas.microsoft.com/office/drawing/2010/main">
+        <mc:Choice Requires="a14">
+          <p:sp>
+            <p:nvSpPr>
+              <p:cNvPr id="10" name="TextBox 9">
+                <a:extLst>
+                  <a:ext uri="{FF2B5EF4-FFF2-40B4-BE49-F238E27FC236}">
+                    <a16:creationId xmlns:a16="http://schemas.microsoft.com/office/drawing/2014/main" id="{5912FD36-5C56-DDF1-A12A-DEA4F04B44F4}"/>
+                  </a:ext>
+                </a:extLst>
+              </p:cNvPr>
+              <p:cNvSpPr txBox="1"/>
+              <p:nvPr/>
+            </p:nvSpPr>
+            <p:spPr>
+              <a:xfrm>
+                <a:off x="3481772" y="276950"/>
+                <a:ext cx="8311008" cy="3829831"/>
+              </a:xfrm>
+              <a:prstGeom prst="rect">
+                <a:avLst/>
+              </a:prstGeom>
+              <a:noFill/>
+            </p:spPr>
+            <p:txBody>
+              <a:bodyPr wrap="square" rtlCol="0">
+                <a:spAutoFit/>
+              </a:bodyPr>
+              <a:lstStyle/>
+              <a:p>
+                <a:r>
+                  <a:rPr lang="en-US" sz="2400" dirty="0"/>
+                  <a:t>To compare two independent means, we look at their difference. </a:t>
+                </a:r>
+              </a:p>
+              <a:p>
+                <a:endParaRPr lang="en-US" sz="2400" dirty="0"/>
+              </a:p>
+              <a:p>
+                <a:r>
+                  <a:rPr lang="en-US" sz="2400" dirty="0"/>
+                  <a:t>	 Ex. Is the average number of hours WSU students work per 	week different than the average number of hours Springfield 	College students work per week? </a:t>
+                </a:r>
+              </a:p>
+              <a:p>
+                <a:endParaRPr lang="en-US" sz="2400" dirty="0"/>
+              </a:p>
+              <a:p>
+                <a:r>
+                  <a:rPr lang="en-US" sz="2400" dirty="0"/>
+                  <a:t>	To answer this, we need to look at </a:t>
+                </a:r>
+                <a14:m>
+                  <m:oMath xmlns:m="http://schemas.openxmlformats.org/officeDocument/2006/math">
+                    <m:sSub>
+                      <m:sSubPr>
+                        <m:ctrlPr>
+                          <a:rPr lang="en-US" sz="2400" b="0" i="1" dirty="0" smtClean="0">
+                            <a:latin typeface="Cambria Math" panose="02040503050406030204" pitchFamily="18" charset="0"/>
+                          </a:rPr>
+                        </m:ctrlPr>
+                      </m:sSubPr>
+                      <m:e>
+                        <m:acc>
+                          <m:accPr>
+                            <m:chr m:val="̅"/>
+                            <m:ctrlPr>
+                              <a:rPr lang="en-US" sz="2400" b="0" i="1" dirty="0" smtClean="0">
+                                <a:latin typeface="Cambria Math" panose="02040503050406030204" pitchFamily="18" charset="0"/>
+                              </a:rPr>
+                            </m:ctrlPr>
+                          </m:accPr>
+                          <m:e>
+                            <m:r>
+                              <a:rPr lang="en-US" sz="2400" b="0" i="1" dirty="0" smtClean="0">
+                                <a:latin typeface="Cambria Math" panose="02040503050406030204" pitchFamily="18" charset="0"/>
+                              </a:rPr>
+                              <m:t>𝑥</m:t>
+                            </m:r>
+                          </m:e>
+                        </m:acc>
+                      </m:e>
+                      <m:sub>
+                        <m:r>
+                          <a:rPr lang="en-US" sz="2400" b="0" i="1" dirty="0" smtClean="0">
+                            <a:latin typeface="Cambria Math" panose="02040503050406030204" pitchFamily="18" charset="0"/>
+                          </a:rPr>
+                          <m:t>𝑊𝑆𝑈</m:t>
+                        </m:r>
+                      </m:sub>
+                    </m:sSub>
+                    <m:r>
+                      <a:rPr lang="en-US" sz="2400" b="0" i="1" dirty="0" smtClean="0">
+                        <a:latin typeface="Cambria Math" panose="02040503050406030204" pitchFamily="18" charset="0"/>
+                      </a:rPr>
+                      <m:t>−</m:t>
+                    </m:r>
+                    <m:sSub>
+                      <m:sSubPr>
+                        <m:ctrlPr>
+                          <a:rPr lang="en-US" sz="2400" b="0" i="1" dirty="0" smtClean="0">
+                            <a:latin typeface="Cambria Math" panose="02040503050406030204" pitchFamily="18" charset="0"/>
+                          </a:rPr>
+                        </m:ctrlPr>
+                      </m:sSubPr>
+                      <m:e>
+                        <m:acc>
+                          <m:accPr>
+                            <m:chr m:val="̅"/>
+                            <m:ctrlPr>
+                              <a:rPr lang="en-US" sz="2400" b="0" i="1" dirty="0" smtClean="0">
+                                <a:latin typeface="Cambria Math" panose="02040503050406030204" pitchFamily="18" charset="0"/>
+                              </a:rPr>
+                            </m:ctrlPr>
+                          </m:accPr>
+                          <m:e>
+                            <m:r>
+                              <a:rPr lang="en-US" sz="2400" b="0" i="1" dirty="0" smtClean="0">
+                                <a:latin typeface="Cambria Math" panose="02040503050406030204" pitchFamily="18" charset="0"/>
+                              </a:rPr>
+                              <m:t>𝑥</m:t>
+                            </m:r>
+                          </m:e>
+                        </m:acc>
+                      </m:e>
+                      <m:sub>
+                        <m:r>
+                          <a:rPr lang="en-US" sz="2400" b="0" i="1" dirty="0" smtClean="0">
+                            <a:latin typeface="Cambria Math" panose="02040503050406030204" pitchFamily="18" charset="0"/>
+                          </a:rPr>
+                          <m:t>𝑆𝐶</m:t>
+                        </m:r>
+                      </m:sub>
+                    </m:sSub>
+                  </m:oMath>
+                </a14:m>
+                <a:endParaRPr lang="en-US" sz="2400" dirty="0"/>
+              </a:p>
+              <a:p>
+                <a:endParaRPr lang="en-US" sz="2400" dirty="0"/>
+              </a:p>
+              <a:p>
+                <a:r>
+                  <a:rPr lang="en-US" sz="2400" dirty="0"/>
+                  <a:t>  </a:t>
+                </a:r>
+              </a:p>
+              <a:p>
+                <a:endParaRPr lang="en-US" sz="2400" dirty="0"/>
+              </a:p>
+            </p:txBody>
+          </p:sp>
+        </mc:Choice>
+        <mc:Fallback xmlns="">
+          <p:sp>
+            <p:nvSpPr>
+              <p:cNvPr id="10" name="TextBox 9">
+                <a:extLst>
+                  <a:ext uri="{FF2B5EF4-FFF2-40B4-BE49-F238E27FC236}">
+                    <a16:creationId xmlns:a16="http://schemas.microsoft.com/office/drawing/2014/main" id="{5912FD36-5C56-DDF1-A12A-DEA4F04B44F4}"/>
+                  </a:ext>
+                </a:extLst>
+              </p:cNvPr>
+              <p:cNvSpPr txBox="1">
+                <a:spLocks noRot="1" noChangeAspect="1" noMove="1" noResize="1" noEditPoints="1" noAdjustHandles="1" noChangeArrowheads="1" noChangeShapeType="1" noTextEdit="1"/>
+              </p:cNvSpPr>
+              <p:nvPr/>
+            </p:nvSpPr>
+            <p:spPr>
+              <a:xfrm>
+                <a:off x="3481772" y="276950"/>
+                <a:ext cx="8311008" cy="3829831"/>
+              </a:xfrm>
+              <a:prstGeom prst="rect">
+                <a:avLst/>
+              </a:prstGeom>
+              <a:blipFill>
+                <a:blip r:embed="rId3"/>
+                <a:stretch>
+                  <a:fillRect l="-1221" t="-1320" r="-1527"/>
+                </a:stretch>
+              </a:blipFill>
+            </p:spPr>
+            <p:txBody>
+              <a:bodyPr/>
+              <a:lstStyle/>
+              <a:p>
+                <a:r>
+                  <a:rPr lang="en-US">
+                    <a:noFill/>
+                  </a:rPr>
+                  <a:t> </a:t>
+                </a:r>
+              </a:p>
+            </p:txBody>
+          </p:sp>
+        </mc:Fallback>
+      </mc:AlternateContent>
+    </p:spTree>
+    <p:extLst>
+      <p:ext uri="{BB962C8B-B14F-4D97-AF65-F5344CB8AC3E}">
+        <p14:creationId xmlns:p14="http://schemas.microsoft.com/office/powerpoint/2010/main" val="3268904710"/>
+      </p:ext>
+    </p:extLst>
+  </p:cSld>
+  <p:clrMapOvr>
+    <a:masterClrMapping/>
+  </p:clrMapOvr>
+  <p:transition>
+    <p:cut/>
+  </p:transition>
+</p:sld>
+</file>
+
+<file path=ppt/slides/slide23.xml><?xml version="1.0" encoding="utf-8"?>
+<p:sld xmlns:a="http://schemas.openxmlformats.org/drawingml/2006/main" xmlns:r="http://schemas.openxmlformats.org/officeDocument/2006/relationships" xmlns:p="http://schemas.openxmlformats.org/presentationml/2006/main">
+  <p:cSld>
+    <p:spTree>
+      <p:nvGrpSpPr>
+        <p:cNvPr id="1" name="">
+          <a:extLst>
+            <a:ext uri="{FF2B5EF4-FFF2-40B4-BE49-F238E27FC236}">
+              <a16:creationId xmlns:a16="http://schemas.microsoft.com/office/drawing/2014/main" id="{51E8B79B-E8E6-9CBC-CFFE-FCF3DF3ACC0B}"/>
+            </a:ext>
+          </a:extLst>
+        </p:cNvPr>
+        <p:cNvGrpSpPr/>
+        <p:nvPr/>
+      </p:nvGrpSpPr>
+      <p:grpSpPr>
+        <a:xfrm>
+          <a:off x="0" y="0"/>
+          <a:ext cx="0" cy="0"/>
+          <a:chOff x="0" y="0"/>
+          <a:chExt cx="0" cy="0"/>
+        </a:xfrm>
+      </p:grpSpPr>
+      <p:sp>
+        <p:nvSpPr>
+          <p:cNvPr id="25" name="Title 24">
+            <a:extLst>
+              <a:ext uri="{FF2B5EF4-FFF2-40B4-BE49-F238E27FC236}">
+                <a16:creationId xmlns:a16="http://schemas.microsoft.com/office/drawing/2014/main" id="{F8453FC2-5BE9-D49A-A77C-346F0550F648}"/>
+              </a:ext>
+            </a:extLst>
+          </p:cNvPr>
+          <p:cNvSpPr>
+            <a:spLocks noGrp="1"/>
+          </p:cNvSpPr>
+          <p:nvPr>
+            <p:ph type="title"/>
+          </p:nvPr>
+        </p:nvSpPr>
+        <p:spPr/>
+        <p:txBody>
+          <a:bodyPr/>
+          <a:lstStyle/>
+          <a:p>
+            <a:r>
+              <a:rPr lang="en-US" dirty="0"/>
+              <a:t>Inference for Two Independent Means</a:t>
+            </a:r>
+          </a:p>
+        </p:txBody>
+      </p:sp>
+      <mc:AlternateContent xmlns:mc="http://schemas.openxmlformats.org/markup-compatibility/2006" xmlns:a14="http://schemas.microsoft.com/office/drawing/2010/main">
+        <mc:Choice Requires="a14">
           <p:sp>
             <p:nvSpPr>
               <p:cNvPr id="2" name="TextBox 1">
@@ -13168,7 +13288,7 @@
             </p:txBody>
           </p:sp>
         </mc:Choice>
-        <mc:Fallback>
+        <mc:Fallback xmlns="">
           <p:sp>
             <p:nvSpPr>
               <p:cNvPr id="2" name="TextBox 1">
@@ -13229,7 +13349,7 @@
 </p:sld>
 </file>
 
-<file path=ppt/slides/slide23.xml><?xml version="1.0" encoding="utf-8"?>
+<file path=ppt/slides/slide24.xml><?xml version="1.0" encoding="utf-8"?>
 <p:sld xmlns:a="http://schemas.openxmlformats.org/drawingml/2006/main" xmlns:r="http://schemas.openxmlformats.org/officeDocument/2006/relationships" xmlns:p="http://schemas.openxmlformats.org/presentationml/2006/main">
   <p:cSld>
     <p:spTree>
@@ -13280,8 +13400,8 @@
           </a:p>
         </p:txBody>
       </p:sp>
-      <mc:AlternateContent xmlns:mc="http://schemas.openxmlformats.org/markup-compatibility/2006">
-        <mc:Choice xmlns:a14="http://schemas.microsoft.com/office/drawing/2010/main" Requires="a14">
+      <mc:AlternateContent xmlns:mc="http://schemas.openxmlformats.org/markup-compatibility/2006" xmlns:a14="http://schemas.microsoft.com/office/drawing/2010/main">
+        <mc:Choice Requires="a14">
           <p:sp>
             <p:nvSpPr>
               <p:cNvPr id="2" name="TextBox 1">
@@ -13813,7 +13933,7 @@
             </p:txBody>
           </p:sp>
         </mc:Choice>
-        <mc:Fallback>
+        <mc:Fallback xmlns="">
           <p:sp>
             <p:nvSpPr>
               <p:cNvPr id="2" name="TextBox 1">
@@ -13874,7 +13994,7 @@
 </p:sld>
 </file>
 
-<file path=ppt/slides/slide24.xml><?xml version="1.0" encoding="utf-8"?>
+<file path=ppt/slides/slide25.xml><?xml version="1.0" encoding="utf-8"?>
 <p:sld xmlns:a="http://schemas.openxmlformats.org/drawingml/2006/main" xmlns:r="http://schemas.openxmlformats.org/officeDocument/2006/relationships" xmlns:p="http://schemas.openxmlformats.org/presentationml/2006/main">
   <p:cSld>
     <p:spTree>
@@ -13925,8 +14045,8 @@
           </a:p>
         </p:txBody>
       </p:sp>
-      <mc:AlternateContent xmlns:mc="http://schemas.openxmlformats.org/markup-compatibility/2006">
-        <mc:Choice xmlns:a14="http://schemas.microsoft.com/office/drawing/2010/main" Requires="a14">
+      <mc:AlternateContent xmlns:mc="http://schemas.openxmlformats.org/markup-compatibility/2006" xmlns:a14="http://schemas.microsoft.com/office/drawing/2010/main">
+        <mc:Choice Requires="a14">
           <p:sp>
             <p:nvSpPr>
               <p:cNvPr id="2" name="TextBox 1">
@@ -14768,7 +14888,7 @@
             </p:txBody>
           </p:sp>
         </mc:Choice>
-        <mc:Fallback>
+        <mc:Fallback xmlns="">
           <p:sp>
             <p:nvSpPr>
               <p:cNvPr id="2" name="TextBox 1">
@@ -14829,7 +14949,7 @@
 </p:sld>
 </file>
 
-<file path=ppt/slides/slide25.xml><?xml version="1.0" encoding="utf-8"?>
+<file path=ppt/slides/slide26.xml><?xml version="1.0" encoding="utf-8"?>
 <p:sld xmlns:a="http://schemas.openxmlformats.org/drawingml/2006/main" xmlns:r="http://schemas.openxmlformats.org/officeDocument/2006/relationships" xmlns:p="http://schemas.openxmlformats.org/presentationml/2006/main">
   <p:cSld>
     <p:spTree>
@@ -14880,8 +15000,8 @@
           </a:p>
         </p:txBody>
       </p:sp>
-      <mc:AlternateContent xmlns:mc="http://schemas.openxmlformats.org/markup-compatibility/2006">
-        <mc:Choice xmlns:a14="http://schemas.microsoft.com/office/drawing/2010/main" Requires="a14">
+      <mc:AlternateContent xmlns:mc="http://schemas.openxmlformats.org/markup-compatibility/2006" xmlns:a14="http://schemas.microsoft.com/office/drawing/2010/main">
+        <mc:Choice Requires="a14">
           <p:sp>
             <p:nvSpPr>
               <p:cNvPr id="2" name="TextBox 1">
@@ -15723,7 +15843,7 @@
             </p:txBody>
           </p:sp>
         </mc:Choice>
-        <mc:Fallback>
+        <mc:Fallback xmlns="">
           <p:sp>
             <p:nvSpPr>
               <p:cNvPr id="2" name="TextBox 1">
@@ -15812,7 +15932,47 @@
                 <a:pPr algn="ctr"/>
                 <a:r>
                   <a:rPr lang="en-US" sz="2400" dirty="0"/>
-                  <a:t>You suspect WSU and SC students spend different amounts of time working per week. You perform an experiment to statistically test this suspicion. You sample 120 WSU students and find on average they work 20 hours/week. You sample 130 SC students and find on average they work 7 hours/week.  Calculate a 95% CI for </a:t>
+                  <a:t>You suspect WSU and SC students spend different amounts of time working per week. You perform an experiment to statistically test this suspicion. You sample 120 WSU students and find on average they work 20 hours/week, with </a:t>
+                </a:r>
+                <a14:m>
+                  <m:oMath xmlns:m="http://schemas.openxmlformats.org/officeDocument/2006/math">
+                    <m:r>
+                      <a:rPr lang="en-US" sz="2400" b="0" i="1" smtClean="0">
+                        <a:latin typeface="Cambria Math" panose="02040503050406030204" pitchFamily="18" charset="0"/>
+                      </a:rPr>
+                      <m:t>𝑠</m:t>
+                    </m:r>
+                    <m:r>
+                      <a:rPr lang="en-US" sz="2400" b="0" i="1" smtClean="0">
+                        <a:latin typeface="Cambria Math" panose="02040503050406030204" pitchFamily="18" charset="0"/>
+                      </a:rPr>
+                      <m:t>=2</m:t>
+                    </m:r>
+                  </m:oMath>
+                </a14:m>
+                <a:r>
+                  <a:rPr lang="en-US" sz="2400" dirty="0"/>
+                  <a:t>. You sample 130 SC students and find on average they work 7 hours/week, with </a:t>
+                </a:r>
+                <a14:m>
+                  <m:oMath xmlns:m="http://schemas.openxmlformats.org/officeDocument/2006/math">
+                    <m:r>
+                      <a:rPr lang="en-US" sz="2400" b="0" i="1" smtClean="0">
+                        <a:latin typeface="Cambria Math" panose="02040503050406030204" pitchFamily="18" charset="0"/>
+                      </a:rPr>
+                      <m:t>𝑠</m:t>
+                    </m:r>
+                    <m:r>
+                      <a:rPr lang="en-US" sz="2400" b="0" i="1" smtClean="0">
+                        <a:latin typeface="Cambria Math" panose="02040503050406030204" pitchFamily="18" charset="0"/>
+                      </a:rPr>
+                      <m:t>=4</m:t>
+                    </m:r>
+                  </m:oMath>
+                </a14:m>
+                <a:r>
+                  <a:rPr lang="en-US" sz="2400" dirty="0"/>
+                  <a:t>.  Calculate a 95% CI for </a:t>
                 </a:r>
                 <a14:m>
                   <m:oMath xmlns:m="http://schemas.openxmlformats.org/officeDocument/2006/math">
@@ -16024,123 +16184,6 @@
     <p:extLst>
       <p:ext uri="{BB962C8B-B14F-4D97-AF65-F5344CB8AC3E}">
         <p14:creationId xmlns:p14="http://schemas.microsoft.com/office/powerpoint/2010/main" val="2895721402"/>
-      </p:ext>
-    </p:extLst>
-  </p:cSld>
-  <p:clrMapOvr>
-    <a:masterClrMapping/>
-  </p:clrMapOvr>
-  <p:transition>
-    <p:cut/>
-  </p:transition>
-</p:sld>
-</file>
-
-<file path=ppt/slides/slide26.xml><?xml version="1.0" encoding="utf-8"?>
-<p:sld xmlns:a="http://schemas.openxmlformats.org/drawingml/2006/main" xmlns:r="http://schemas.openxmlformats.org/officeDocument/2006/relationships" xmlns:p="http://schemas.openxmlformats.org/presentationml/2006/main">
-  <p:cSld>
-    <p:spTree>
-      <p:nvGrpSpPr>
-        <p:cNvPr id="1" name="">
-          <a:extLst>
-            <a:ext uri="{FF2B5EF4-FFF2-40B4-BE49-F238E27FC236}">
-              <a16:creationId xmlns:a16="http://schemas.microsoft.com/office/drawing/2014/main" id="{51E8B79B-E8E6-9CBC-CFFE-FCF3DF3ACC0B}"/>
-            </a:ext>
-          </a:extLst>
-        </p:cNvPr>
-        <p:cNvGrpSpPr/>
-        <p:nvPr/>
-      </p:nvGrpSpPr>
-      <p:grpSpPr>
-        <a:xfrm>
-          <a:off x="0" y="0"/>
-          <a:ext cx="0" cy="0"/>
-          <a:chOff x="0" y="0"/>
-          <a:chExt cx="0" cy="0"/>
-        </a:xfrm>
-      </p:grpSpPr>
-      <p:sp>
-        <p:nvSpPr>
-          <p:cNvPr id="25" name="Title 24">
-            <a:extLst>
-              <a:ext uri="{FF2B5EF4-FFF2-40B4-BE49-F238E27FC236}">
-                <a16:creationId xmlns:a16="http://schemas.microsoft.com/office/drawing/2014/main" id="{F8453FC2-5BE9-D49A-A77C-346F0550F648}"/>
-              </a:ext>
-            </a:extLst>
-          </p:cNvPr>
-          <p:cNvSpPr>
-            <a:spLocks noGrp="1"/>
-          </p:cNvSpPr>
-          <p:nvPr>
-            <p:ph type="title"/>
-          </p:nvPr>
-        </p:nvSpPr>
-        <p:spPr/>
-        <p:txBody>
-          <a:bodyPr/>
-          <a:lstStyle/>
-          <a:p>
-            <a:r>
-              <a:rPr lang="en-US" dirty="0"/>
-              <a:t>Inference for Two Independent Means</a:t>
-            </a:r>
-          </a:p>
-        </p:txBody>
-      </p:sp>
-      <p:sp>
-        <p:nvSpPr>
-          <p:cNvPr id="2" name="TextBox 1">
-            <a:extLst>
-              <a:ext uri="{FF2B5EF4-FFF2-40B4-BE49-F238E27FC236}">
-                <a16:creationId xmlns:a16="http://schemas.microsoft.com/office/drawing/2014/main" id="{8D969975-513F-DB6C-92CE-5FE1EB582BDC}"/>
-              </a:ext>
-            </a:extLst>
-          </p:cNvPr>
-          <p:cNvSpPr txBox="1"/>
-          <p:nvPr/>
-        </p:nvSpPr>
-        <p:spPr>
-          <a:xfrm>
-            <a:off x="3481771" y="276950"/>
-            <a:ext cx="8457309" cy="2677656"/>
-          </a:xfrm>
-          <a:prstGeom prst="rect">
-            <a:avLst/>
-          </a:prstGeom>
-          <a:noFill/>
-        </p:spPr>
-        <p:txBody>
-          <a:bodyPr wrap="square" rtlCol="0">
-            <a:spAutoFit/>
-          </a:bodyPr>
-          <a:lstStyle/>
-          <a:p>
-            <a:r>
-              <a:rPr lang="en-US" sz="2400" b="1" dirty="0"/>
-              <a:t>Hypothesis Test for Difference Between Two Independent Means</a:t>
-            </a:r>
-          </a:p>
-          <a:p>
-            <a:endParaRPr lang="en-US" sz="2400" dirty="0"/>
-          </a:p>
-          <a:p>
-            <a:r>
-              <a:rPr lang="en-US" sz="2400" dirty="0"/>
-              <a:t>For a hypothesis test, our null hypothesis will be that there is no difference between means. </a:t>
-            </a:r>
-          </a:p>
-          <a:p>
-            <a:endParaRPr lang="en-US" sz="2400" dirty="0"/>
-          </a:p>
-          <a:p>
-            <a:endParaRPr lang="en-US" sz="2400" dirty="0"/>
-          </a:p>
-        </p:txBody>
-      </p:sp>
-    </p:spTree>
-    <p:extLst>
-      <p:ext uri="{BB962C8B-B14F-4D97-AF65-F5344CB8AC3E}">
-        <p14:creationId xmlns:p14="http://schemas.microsoft.com/office/powerpoint/2010/main" val="1114826372"/>
       </p:ext>
     </p:extLst>
   </p:cSld>
@@ -16254,270 +16297,10 @@
           </a:p>
         </p:txBody>
       </p:sp>
-      <mc:AlternateContent xmlns:mc="http://schemas.openxmlformats.org/markup-compatibility/2006">
-        <mc:Choice xmlns:a14="http://schemas.microsoft.com/office/drawing/2010/main" Requires="a14">
-          <p:sp>
-            <p:nvSpPr>
-              <p:cNvPr id="4" name="Rounded Rectangle 3">
-                <a:extLst>
-                  <a:ext uri="{FF2B5EF4-FFF2-40B4-BE49-F238E27FC236}">
-                    <a16:creationId xmlns:a16="http://schemas.microsoft.com/office/drawing/2014/main" id="{00A796A0-ADBB-F4FB-70F3-A56D05098C63}"/>
-                  </a:ext>
-                </a:extLst>
-              </p:cNvPr>
-              <p:cNvSpPr/>
-              <p:nvPr/>
-            </p:nvSpPr>
-            <p:spPr>
-              <a:xfrm>
-                <a:off x="3879272" y="2180690"/>
-                <a:ext cx="7530850" cy="4400359"/>
-              </a:xfrm>
-              <a:prstGeom prst="roundRect">
-                <a:avLst/>
-              </a:prstGeom>
-            </p:spPr>
-            <p:style>
-              <a:lnRef idx="0">
-                <a:schemeClr val="accent5"/>
-              </a:lnRef>
-              <a:fillRef idx="3">
-                <a:schemeClr val="accent5"/>
-              </a:fillRef>
-              <a:effectRef idx="3">
-                <a:schemeClr val="accent5"/>
-              </a:effectRef>
-              <a:fontRef idx="minor">
-                <a:schemeClr val="lt1"/>
-              </a:fontRef>
-            </p:style>
-            <p:txBody>
-              <a:bodyPr rtlCol="0" anchor="ctr"/>
-              <a:lstStyle/>
-              <a:p>
-                <a:pPr algn="ctr"/>
-                <a:r>
-                  <a:rPr lang="en-US" sz="2400" dirty="0"/>
-                  <a:t>You suspect WSU and SC students spend different amounts of time working per week. You perform an experiment to statistically test this suspicion. You sample 120 WSU students and find on average they work 20 hours/week. You sample 130 SC students and find on average they work 7 hours/week.</a:t>
-                </a:r>
-              </a:p>
-              <a:p>
-                <a:pPr algn="ctr"/>
-                <a:endParaRPr lang="en-US" sz="2400" dirty="0"/>
-              </a:p>
-              <a:p>
-                <a:pPr algn="ctr"/>
-                <a:r>
-                  <a:rPr lang="en-US" sz="2400" dirty="0"/>
-                  <a:t>You want to perform a hypothesis test to see if there is a difference in these means. What is </a:t>
-                </a:r>
-                <a14:m>
-                  <m:oMath xmlns:m="http://schemas.openxmlformats.org/officeDocument/2006/math">
-                    <m:sSub>
-                      <m:sSubPr>
-                        <m:ctrlPr>
-                          <a:rPr lang="en-US" sz="2400" b="0" i="1" smtClean="0">
-                            <a:latin typeface="Cambria Math" panose="02040503050406030204" pitchFamily="18" charset="0"/>
-                          </a:rPr>
-                        </m:ctrlPr>
-                      </m:sSubPr>
-                      <m:e>
-                        <m:r>
-                          <a:rPr lang="en-US" sz="2400" b="0" i="1" smtClean="0">
-                            <a:latin typeface="Cambria Math" panose="02040503050406030204" pitchFamily="18" charset="0"/>
-                          </a:rPr>
-                          <m:t>𝐻</m:t>
-                        </m:r>
-                      </m:e>
-                      <m:sub>
-                        <m:r>
-                          <a:rPr lang="en-US" sz="2400" b="0" i="1" smtClean="0">
-                            <a:latin typeface="Cambria Math" panose="02040503050406030204" pitchFamily="18" charset="0"/>
-                          </a:rPr>
-                          <m:t>0</m:t>
-                        </m:r>
-                      </m:sub>
-                    </m:sSub>
-                  </m:oMath>
-                </a14:m>
-                <a:r>
-                  <a:rPr lang="en-US" sz="2400" dirty="0"/>
-                  <a:t> in terms of </a:t>
-                </a:r>
-                <a14:m>
-                  <m:oMath xmlns:m="http://schemas.openxmlformats.org/officeDocument/2006/math">
-                    <m:sSub>
-                      <m:sSubPr>
-                        <m:ctrlPr>
-                          <a:rPr lang="en-US" sz="2400" b="0" i="1" dirty="0" smtClean="0">
-                            <a:latin typeface="Cambria Math" panose="02040503050406030204" pitchFamily="18" charset="0"/>
-                          </a:rPr>
-                        </m:ctrlPr>
-                      </m:sSubPr>
-                      <m:e>
-                        <m:acc>
-                          <m:accPr>
-                            <m:chr m:val="̅"/>
-                            <m:ctrlPr>
-                              <a:rPr lang="en-US" sz="2400" b="0" i="1" dirty="0" smtClean="0">
-                                <a:latin typeface="Cambria Math" panose="02040503050406030204" pitchFamily="18" charset="0"/>
-                              </a:rPr>
-                            </m:ctrlPr>
-                          </m:accPr>
-                          <m:e>
-                            <m:r>
-                              <a:rPr lang="en-US" sz="2400" b="0" i="1" dirty="0" smtClean="0">
-                                <a:latin typeface="Cambria Math" panose="02040503050406030204" pitchFamily="18" charset="0"/>
-                              </a:rPr>
-                              <m:t>𝑥</m:t>
-                            </m:r>
-                          </m:e>
-                        </m:acc>
-                      </m:e>
-                      <m:sub>
-                        <m:r>
-                          <a:rPr lang="en-US" sz="2400" b="0" i="1" dirty="0" smtClean="0">
-                            <a:latin typeface="Cambria Math" panose="02040503050406030204" pitchFamily="18" charset="0"/>
-                          </a:rPr>
-                          <m:t>𝑆𝐶</m:t>
-                        </m:r>
-                      </m:sub>
-                    </m:sSub>
-                    <m:r>
-                      <a:rPr lang="en-US" sz="2400" b="0" i="1" dirty="0" smtClean="0">
-                        <a:latin typeface="Cambria Math" panose="02040503050406030204" pitchFamily="18" charset="0"/>
-                      </a:rPr>
-                      <m:t>−</m:t>
-                    </m:r>
-                    <m:sSub>
-                      <m:sSubPr>
-                        <m:ctrlPr>
-                          <a:rPr lang="en-US" sz="2400" b="0" i="1" dirty="0" smtClean="0">
-                            <a:latin typeface="Cambria Math" panose="02040503050406030204" pitchFamily="18" charset="0"/>
-                          </a:rPr>
-                        </m:ctrlPr>
-                      </m:sSubPr>
-                      <m:e>
-                        <m:acc>
-                          <m:accPr>
-                            <m:chr m:val="̅"/>
-                            <m:ctrlPr>
-                              <a:rPr lang="en-US" sz="2400" b="0" i="1" dirty="0" smtClean="0">
-                                <a:latin typeface="Cambria Math" panose="02040503050406030204" pitchFamily="18" charset="0"/>
-                              </a:rPr>
-                            </m:ctrlPr>
-                          </m:accPr>
-                          <m:e>
-                            <m:r>
-                              <a:rPr lang="en-US" sz="2400" b="0" i="1" dirty="0" smtClean="0">
-                                <a:latin typeface="Cambria Math" panose="02040503050406030204" pitchFamily="18" charset="0"/>
-                              </a:rPr>
-                              <m:t>𝑥</m:t>
-                            </m:r>
-                          </m:e>
-                        </m:acc>
-                      </m:e>
-                      <m:sub>
-                        <m:r>
-                          <a:rPr lang="en-US" sz="2400" b="0" i="1" dirty="0" smtClean="0">
-                            <a:latin typeface="Cambria Math" panose="02040503050406030204" pitchFamily="18" charset="0"/>
-                          </a:rPr>
-                          <m:t>𝑊𝑆𝑈</m:t>
-                        </m:r>
-                      </m:sub>
-                    </m:sSub>
-                  </m:oMath>
-                </a14:m>
-                <a:r>
-                  <a:rPr lang="en-US" sz="2400" dirty="0"/>
-                  <a:t>? What is </a:t>
-                </a:r>
-                <a14:m>
-                  <m:oMath xmlns:m="http://schemas.openxmlformats.org/officeDocument/2006/math">
-                    <m:sSub>
-                      <m:sSubPr>
-                        <m:ctrlPr>
-                          <a:rPr lang="en-US" sz="2400" b="0" i="1" smtClean="0">
-                            <a:latin typeface="Cambria Math" panose="02040503050406030204" pitchFamily="18" charset="0"/>
-                          </a:rPr>
-                        </m:ctrlPr>
-                      </m:sSubPr>
-                      <m:e>
-                        <m:r>
-                          <a:rPr lang="en-US" sz="2400" b="0" i="1" smtClean="0">
-                            <a:latin typeface="Cambria Math" panose="02040503050406030204" pitchFamily="18" charset="0"/>
-                          </a:rPr>
-                          <m:t>𝐻</m:t>
-                        </m:r>
-                      </m:e>
-                      <m:sub>
-                        <m:r>
-                          <a:rPr lang="en-US" sz="2400" b="0" i="1" smtClean="0">
-                            <a:latin typeface="Cambria Math" panose="02040503050406030204" pitchFamily="18" charset="0"/>
-                          </a:rPr>
-                          <m:t>𝐴</m:t>
-                        </m:r>
-                      </m:sub>
-                    </m:sSub>
-                  </m:oMath>
-                </a14:m>
-                <a:r>
-                  <a:rPr lang="en-US" sz="2400" dirty="0"/>
-                  <a:t>? </a:t>
-                </a:r>
-              </a:p>
-            </p:txBody>
-          </p:sp>
-        </mc:Choice>
-        <mc:Fallback>
-          <p:sp>
-            <p:nvSpPr>
-              <p:cNvPr id="4" name="Rounded Rectangle 3">
-                <a:extLst>
-                  <a:ext uri="{FF2B5EF4-FFF2-40B4-BE49-F238E27FC236}">
-                    <a16:creationId xmlns:a16="http://schemas.microsoft.com/office/drawing/2014/main" id="{00A796A0-ADBB-F4FB-70F3-A56D05098C63}"/>
-                  </a:ext>
-                </a:extLst>
-              </p:cNvPr>
-              <p:cNvSpPr>
-                <a:spLocks noRot="1" noChangeAspect="1" noMove="1" noResize="1" noEditPoints="1" noAdjustHandles="1" noChangeArrowheads="1" noChangeShapeType="1" noTextEdit="1"/>
-              </p:cNvSpPr>
-              <p:nvPr/>
-            </p:nvSpPr>
-            <p:spPr>
-              <a:xfrm>
-                <a:off x="3879272" y="2180690"/>
-                <a:ext cx="7530850" cy="4400359"/>
-              </a:xfrm>
-              <a:prstGeom prst="roundRect">
-                <a:avLst/>
-              </a:prstGeom>
-              <a:blipFill>
-                <a:blip r:embed="rId3"/>
-                <a:stretch>
-                  <a:fillRect/>
-                </a:stretch>
-              </a:blipFill>
-            </p:spPr>
-            <p:txBody>
-              <a:bodyPr/>
-              <a:lstStyle/>
-              <a:p>
-                <a:r>
-                  <a:rPr lang="en-US">
-                    <a:noFill/>
-                  </a:rPr>
-                  <a:t> </a:t>
-                </a:r>
-              </a:p>
-            </p:txBody>
-          </p:sp>
-        </mc:Fallback>
-      </mc:AlternateContent>
     </p:spTree>
     <p:extLst>
       <p:ext uri="{BB962C8B-B14F-4D97-AF65-F5344CB8AC3E}">
-        <p14:creationId xmlns:p14="http://schemas.microsoft.com/office/powerpoint/2010/main" val="445746991"/>
+        <p14:creationId xmlns:p14="http://schemas.microsoft.com/office/powerpoint/2010/main" val="1114826372"/>
       </p:ext>
     </p:extLst>
   </p:cSld>
@@ -16581,8 +16364,421 @@
           </a:p>
         </p:txBody>
       </p:sp>
+      <p:sp>
+        <p:nvSpPr>
+          <p:cNvPr id="2" name="TextBox 1">
+            <a:extLst>
+              <a:ext uri="{FF2B5EF4-FFF2-40B4-BE49-F238E27FC236}">
+                <a16:creationId xmlns:a16="http://schemas.microsoft.com/office/drawing/2014/main" id="{8D969975-513F-DB6C-92CE-5FE1EB582BDC}"/>
+              </a:ext>
+            </a:extLst>
+          </p:cNvPr>
+          <p:cNvSpPr txBox="1"/>
+          <p:nvPr/>
+        </p:nvSpPr>
+        <p:spPr>
+          <a:xfrm>
+            <a:off x="3481771" y="276950"/>
+            <a:ext cx="8457309" cy="2677656"/>
+          </a:xfrm>
+          <a:prstGeom prst="rect">
+            <a:avLst/>
+          </a:prstGeom>
+          <a:noFill/>
+        </p:spPr>
+        <p:txBody>
+          <a:bodyPr wrap="square" rtlCol="0">
+            <a:spAutoFit/>
+          </a:bodyPr>
+          <a:lstStyle/>
+          <a:p>
+            <a:r>
+              <a:rPr lang="en-US" sz="2400" b="1" dirty="0"/>
+              <a:t>Hypothesis Test for Difference Between Two Independent Means</a:t>
+            </a:r>
+          </a:p>
+          <a:p>
+            <a:endParaRPr lang="en-US" sz="2400" dirty="0"/>
+          </a:p>
+          <a:p>
+            <a:r>
+              <a:rPr lang="en-US" sz="2400" dirty="0"/>
+              <a:t>For a hypothesis test, our null hypothesis will be that there is no difference between means. </a:t>
+            </a:r>
+          </a:p>
+          <a:p>
+            <a:endParaRPr lang="en-US" sz="2400" dirty="0"/>
+          </a:p>
+          <a:p>
+            <a:endParaRPr lang="en-US" sz="2400" dirty="0"/>
+          </a:p>
+        </p:txBody>
+      </p:sp>
       <mc:AlternateContent xmlns:mc="http://schemas.openxmlformats.org/markup-compatibility/2006">
         <mc:Choice xmlns:a14="http://schemas.microsoft.com/office/drawing/2010/main" Requires="a14">
+          <p:sp>
+            <p:nvSpPr>
+              <p:cNvPr id="4" name="Rounded Rectangle 3">
+                <a:extLst>
+                  <a:ext uri="{FF2B5EF4-FFF2-40B4-BE49-F238E27FC236}">
+                    <a16:creationId xmlns:a16="http://schemas.microsoft.com/office/drawing/2014/main" id="{00A796A0-ADBB-F4FB-70F3-A56D05098C63}"/>
+                  </a:ext>
+                </a:extLst>
+              </p:cNvPr>
+              <p:cNvSpPr/>
+              <p:nvPr/>
+            </p:nvSpPr>
+            <p:spPr>
+              <a:xfrm>
+                <a:off x="3481771" y="2180690"/>
+                <a:ext cx="8297853" cy="4400359"/>
+              </a:xfrm>
+              <a:prstGeom prst="roundRect">
+                <a:avLst/>
+              </a:prstGeom>
+            </p:spPr>
+            <p:style>
+              <a:lnRef idx="0">
+                <a:schemeClr val="accent5"/>
+              </a:lnRef>
+              <a:fillRef idx="3">
+                <a:schemeClr val="accent5"/>
+              </a:fillRef>
+              <a:effectRef idx="3">
+                <a:schemeClr val="accent5"/>
+              </a:effectRef>
+              <a:fontRef idx="minor">
+                <a:schemeClr val="lt1"/>
+              </a:fontRef>
+            </p:style>
+            <p:txBody>
+              <a:bodyPr rtlCol="0" anchor="ctr"/>
+              <a:lstStyle/>
+              <a:p>
+                <a:pPr algn="ctr"/>
+                <a:r>
+                  <a:rPr lang="en-US" sz="2400" dirty="0"/>
+                  <a:t>You suspect WSU and SC students spend different amounts of time working per week. You perform an experiment to statistically test this suspicion. You sample 120 WSU students and find on average they work 20 hours/week, with </a:t>
+                </a:r>
+                <a14:m>
+                  <m:oMath xmlns:m="http://schemas.openxmlformats.org/officeDocument/2006/math">
+                    <m:r>
+                      <a:rPr lang="en-US" sz="2400" b="0" i="1" smtClean="0">
+                        <a:latin typeface="Cambria Math" panose="02040503050406030204" pitchFamily="18" charset="0"/>
+                      </a:rPr>
+                      <m:t>𝑠</m:t>
+                    </m:r>
+                    <m:r>
+                      <a:rPr lang="en-US" sz="2400" b="0" i="1" smtClean="0">
+                        <a:latin typeface="Cambria Math" panose="02040503050406030204" pitchFamily="18" charset="0"/>
+                      </a:rPr>
+                      <m:t>=2</m:t>
+                    </m:r>
+                  </m:oMath>
+                </a14:m>
+                <a:r>
+                  <a:rPr lang="en-US" sz="2400" dirty="0"/>
+                  <a:t>. You sample 130 SC students and find on average they work 7 hours/week, with </a:t>
+                </a:r>
+                <a14:m>
+                  <m:oMath xmlns:m="http://schemas.openxmlformats.org/officeDocument/2006/math">
+                    <m:r>
+                      <a:rPr lang="en-US" sz="2400" b="0" i="1" smtClean="0">
+                        <a:latin typeface="Cambria Math" panose="02040503050406030204" pitchFamily="18" charset="0"/>
+                      </a:rPr>
+                      <m:t>𝑠</m:t>
+                    </m:r>
+                    <m:r>
+                      <a:rPr lang="en-US" sz="2400" b="0" i="1" smtClean="0">
+                        <a:latin typeface="Cambria Math" panose="02040503050406030204" pitchFamily="18" charset="0"/>
+                      </a:rPr>
+                      <m:t>=4</m:t>
+                    </m:r>
+                  </m:oMath>
+                </a14:m>
+                <a:r>
+                  <a:rPr lang="en-US" sz="2400" dirty="0"/>
+                  <a:t>.</a:t>
+                </a:r>
+              </a:p>
+              <a:p>
+                <a:pPr algn="ctr"/>
+                <a:r>
+                  <a:rPr lang="en-US" sz="2400" dirty="0"/>
+                  <a:t>You want to perform a hypothesis test to see if there is a difference in these means. What is </a:t>
+                </a:r>
+                <a14:m>
+                  <m:oMath xmlns:m="http://schemas.openxmlformats.org/officeDocument/2006/math">
+                    <m:sSub>
+                      <m:sSubPr>
+                        <m:ctrlPr>
+                          <a:rPr lang="en-US" sz="2400" b="0" i="1" smtClean="0">
+                            <a:latin typeface="Cambria Math" panose="02040503050406030204" pitchFamily="18" charset="0"/>
+                          </a:rPr>
+                        </m:ctrlPr>
+                      </m:sSubPr>
+                      <m:e>
+                        <m:r>
+                          <a:rPr lang="en-US" sz="2400" b="0" i="1" smtClean="0">
+                            <a:latin typeface="Cambria Math" panose="02040503050406030204" pitchFamily="18" charset="0"/>
+                          </a:rPr>
+                          <m:t>𝐻</m:t>
+                        </m:r>
+                      </m:e>
+                      <m:sub>
+                        <m:r>
+                          <a:rPr lang="en-US" sz="2400" b="0" i="1" smtClean="0">
+                            <a:latin typeface="Cambria Math" panose="02040503050406030204" pitchFamily="18" charset="0"/>
+                          </a:rPr>
+                          <m:t>0</m:t>
+                        </m:r>
+                      </m:sub>
+                    </m:sSub>
+                  </m:oMath>
+                </a14:m>
+                <a:r>
+                  <a:rPr lang="en-US" sz="2400" dirty="0"/>
+                  <a:t> in terms of </a:t>
+                </a:r>
+                <a14:m>
+                  <m:oMath xmlns:m="http://schemas.openxmlformats.org/officeDocument/2006/math">
+                    <m:sSub>
+                      <m:sSubPr>
+                        <m:ctrlPr>
+                          <a:rPr lang="en-US" sz="2400" b="0" i="1" dirty="0" smtClean="0">
+                            <a:latin typeface="Cambria Math" panose="02040503050406030204" pitchFamily="18" charset="0"/>
+                          </a:rPr>
+                        </m:ctrlPr>
+                      </m:sSubPr>
+                      <m:e>
+                        <m:acc>
+                          <m:accPr>
+                            <m:chr m:val="̅"/>
+                            <m:ctrlPr>
+                              <a:rPr lang="en-US" sz="2400" b="0" i="1" dirty="0" smtClean="0">
+                                <a:latin typeface="Cambria Math" panose="02040503050406030204" pitchFamily="18" charset="0"/>
+                              </a:rPr>
+                            </m:ctrlPr>
+                          </m:accPr>
+                          <m:e>
+                            <m:r>
+                              <a:rPr lang="en-US" sz="2400" b="0" i="1" dirty="0" smtClean="0">
+                                <a:latin typeface="Cambria Math" panose="02040503050406030204" pitchFamily="18" charset="0"/>
+                              </a:rPr>
+                              <m:t>𝑥</m:t>
+                            </m:r>
+                          </m:e>
+                        </m:acc>
+                      </m:e>
+                      <m:sub>
+                        <m:r>
+                          <a:rPr lang="en-US" sz="2400" b="0" i="1" dirty="0" smtClean="0">
+                            <a:latin typeface="Cambria Math" panose="02040503050406030204" pitchFamily="18" charset="0"/>
+                          </a:rPr>
+                          <m:t>𝑆𝐶</m:t>
+                        </m:r>
+                      </m:sub>
+                    </m:sSub>
+                    <m:r>
+                      <a:rPr lang="en-US" sz="2400" b="0" i="1" dirty="0" smtClean="0">
+                        <a:latin typeface="Cambria Math" panose="02040503050406030204" pitchFamily="18" charset="0"/>
+                      </a:rPr>
+                      <m:t>−</m:t>
+                    </m:r>
+                    <m:sSub>
+                      <m:sSubPr>
+                        <m:ctrlPr>
+                          <a:rPr lang="en-US" sz="2400" b="0" i="1" dirty="0" smtClean="0">
+                            <a:latin typeface="Cambria Math" panose="02040503050406030204" pitchFamily="18" charset="0"/>
+                          </a:rPr>
+                        </m:ctrlPr>
+                      </m:sSubPr>
+                      <m:e>
+                        <m:acc>
+                          <m:accPr>
+                            <m:chr m:val="̅"/>
+                            <m:ctrlPr>
+                              <a:rPr lang="en-US" sz="2400" b="0" i="1" dirty="0" smtClean="0">
+                                <a:latin typeface="Cambria Math" panose="02040503050406030204" pitchFamily="18" charset="0"/>
+                              </a:rPr>
+                            </m:ctrlPr>
+                          </m:accPr>
+                          <m:e>
+                            <m:r>
+                              <a:rPr lang="en-US" sz="2400" b="0" i="1" dirty="0" smtClean="0">
+                                <a:latin typeface="Cambria Math" panose="02040503050406030204" pitchFamily="18" charset="0"/>
+                              </a:rPr>
+                              <m:t>𝑥</m:t>
+                            </m:r>
+                          </m:e>
+                        </m:acc>
+                      </m:e>
+                      <m:sub>
+                        <m:r>
+                          <a:rPr lang="en-US" sz="2400" b="0" i="1" dirty="0" smtClean="0">
+                            <a:latin typeface="Cambria Math" panose="02040503050406030204" pitchFamily="18" charset="0"/>
+                          </a:rPr>
+                          <m:t>𝑊𝑆𝑈</m:t>
+                        </m:r>
+                      </m:sub>
+                    </m:sSub>
+                  </m:oMath>
+                </a14:m>
+                <a:r>
+                  <a:rPr lang="en-US" sz="2400" dirty="0"/>
+                  <a:t>? What is </a:t>
+                </a:r>
+                <a14:m>
+                  <m:oMath xmlns:m="http://schemas.openxmlformats.org/officeDocument/2006/math">
+                    <m:sSub>
+                      <m:sSubPr>
+                        <m:ctrlPr>
+                          <a:rPr lang="en-US" sz="2400" b="0" i="1" smtClean="0">
+                            <a:latin typeface="Cambria Math" panose="02040503050406030204" pitchFamily="18" charset="0"/>
+                          </a:rPr>
+                        </m:ctrlPr>
+                      </m:sSubPr>
+                      <m:e>
+                        <m:r>
+                          <a:rPr lang="en-US" sz="2400" b="0" i="1" smtClean="0">
+                            <a:latin typeface="Cambria Math" panose="02040503050406030204" pitchFamily="18" charset="0"/>
+                          </a:rPr>
+                          <m:t>𝐻</m:t>
+                        </m:r>
+                      </m:e>
+                      <m:sub>
+                        <m:r>
+                          <a:rPr lang="en-US" sz="2400" b="0" i="1" smtClean="0">
+                            <a:latin typeface="Cambria Math" panose="02040503050406030204" pitchFamily="18" charset="0"/>
+                          </a:rPr>
+                          <m:t>𝐴</m:t>
+                        </m:r>
+                      </m:sub>
+                    </m:sSub>
+                  </m:oMath>
+                </a14:m>
+                <a:r>
+                  <a:rPr lang="en-US" sz="2400" dirty="0"/>
+                  <a:t>? </a:t>
+                </a:r>
+              </a:p>
+            </p:txBody>
+          </p:sp>
+        </mc:Choice>
+        <mc:Fallback>
+          <p:sp>
+            <p:nvSpPr>
+              <p:cNvPr id="4" name="Rounded Rectangle 3">
+                <a:extLst>
+                  <a:ext uri="{FF2B5EF4-FFF2-40B4-BE49-F238E27FC236}">
+                    <a16:creationId xmlns:a16="http://schemas.microsoft.com/office/drawing/2014/main" id="{00A796A0-ADBB-F4FB-70F3-A56D05098C63}"/>
+                  </a:ext>
+                </a:extLst>
+              </p:cNvPr>
+              <p:cNvSpPr>
+                <a:spLocks noRot="1" noChangeAspect="1" noMove="1" noResize="1" noEditPoints="1" noAdjustHandles="1" noChangeArrowheads="1" noChangeShapeType="1" noTextEdit="1"/>
+              </p:cNvSpPr>
+              <p:nvPr/>
+            </p:nvSpPr>
+            <p:spPr>
+              <a:xfrm>
+                <a:off x="3481771" y="2180690"/>
+                <a:ext cx="8297853" cy="4400359"/>
+              </a:xfrm>
+              <a:prstGeom prst="roundRect">
+                <a:avLst/>
+              </a:prstGeom>
+              <a:blipFill>
+                <a:blip r:embed="rId3"/>
+                <a:stretch>
+                  <a:fillRect/>
+                </a:stretch>
+              </a:blipFill>
+            </p:spPr>
+            <p:txBody>
+              <a:bodyPr/>
+              <a:lstStyle/>
+              <a:p>
+                <a:r>
+                  <a:rPr lang="en-US">
+                    <a:noFill/>
+                  </a:rPr>
+                  <a:t> </a:t>
+                </a:r>
+              </a:p>
+            </p:txBody>
+          </p:sp>
+        </mc:Fallback>
+      </mc:AlternateContent>
+    </p:spTree>
+    <p:extLst>
+      <p:ext uri="{BB962C8B-B14F-4D97-AF65-F5344CB8AC3E}">
+        <p14:creationId xmlns:p14="http://schemas.microsoft.com/office/powerpoint/2010/main" val="445746991"/>
+      </p:ext>
+    </p:extLst>
+  </p:cSld>
+  <p:clrMapOvr>
+    <a:masterClrMapping/>
+  </p:clrMapOvr>
+  <p:transition>
+    <p:cut/>
+  </p:transition>
+</p:sld>
+</file>
+
+<file path=ppt/slides/slide29.xml><?xml version="1.0" encoding="utf-8"?>
+<p:sld xmlns:a="http://schemas.openxmlformats.org/drawingml/2006/main" xmlns:r="http://schemas.openxmlformats.org/officeDocument/2006/relationships" xmlns:p="http://schemas.openxmlformats.org/presentationml/2006/main">
+  <p:cSld>
+    <p:spTree>
+      <p:nvGrpSpPr>
+        <p:cNvPr id="1" name="">
+          <a:extLst>
+            <a:ext uri="{FF2B5EF4-FFF2-40B4-BE49-F238E27FC236}">
+              <a16:creationId xmlns:a16="http://schemas.microsoft.com/office/drawing/2014/main" id="{51E8B79B-E8E6-9CBC-CFFE-FCF3DF3ACC0B}"/>
+            </a:ext>
+          </a:extLst>
+        </p:cNvPr>
+        <p:cNvGrpSpPr/>
+        <p:nvPr/>
+      </p:nvGrpSpPr>
+      <p:grpSpPr>
+        <a:xfrm>
+          <a:off x="0" y="0"/>
+          <a:ext cx="0" cy="0"/>
+          <a:chOff x="0" y="0"/>
+          <a:chExt cx="0" cy="0"/>
+        </a:xfrm>
+      </p:grpSpPr>
+      <p:sp>
+        <p:nvSpPr>
+          <p:cNvPr id="25" name="Title 24">
+            <a:extLst>
+              <a:ext uri="{FF2B5EF4-FFF2-40B4-BE49-F238E27FC236}">
+                <a16:creationId xmlns:a16="http://schemas.microsoft.com/office/drawing/2014/main" id="{F8453FC2-5BE9-D49A-A77C-346F0550F648}"/>
+              </a:ext>
+            </a:extLst>
+          </p:cNvPr>
+          <p:cNvSpPr>
+            <a:spLocks noGrp="1"/>
+          </p:cNvSpPr>
+          <p:nvPr>
+            <p:ph type="title"/>
+          </p:nvPr>
+        </p:nvSpPr>
+        <p:spPr/>
+        <p:txBody>
+          <a:bodyPr/>
+          <a:lstStyle/>
+          <a:p>
+            <a:r>
+              <a:rPr lang="en-US" dirty="0"/>
+              <a:t>Inference for Two Independent Means</a:t>
+            </a:r>
+          </a:p>
+        </p:txBody>
+      </p:sp>
+      <mc:AlternateContent xmlns:mc="http://schemas.openxmlformats.org/markup-compatibility/2006" xmlns:a14="http://schemas.microsoft.com/office/drawing/2010/main">
+        <mc:Choice Requires="a14">
           <p:sp>
             <p:nvSpPr>
               <p:cNvPr id="2" name="TextBox 1">
@@ -17056,7 +17252,7 @@
             </p:txBody>
           </p:sp>
         </mc:Choice>
-        <mc:Fallback>
+        <mc:Fallback xmlns="">
           <p:sp>
             <p:nvSpPr>
               <p:cNvPr id="2" name="TextBox 1">
@@ -17105,793 +17301,6 @@
     <p:extLst>
       <p:ext uri="{BB962C8B-B14F-4D97-AF65-F5344CB8AC3E}">
         <p14:creationId xmlns:p14="http://schemas.microsoft.com/office/powerpoint/2010/main" val="1987293701"/>
-      </p:ext>
-    </p:extLst>
-  </p:cSld>
-  <p:clrMapOvr>
-    <a:masterClrMapping/>
-  </p:clrMapOvr>
-  <p:transition>
-    <p:cut/>
-  </p:transition>
-</p:sld>
-</file>
-
-<file path=ppt/slides/slide29.xml><?xml version="1.0" encoding="utf-8"?>
-<p:sld xmlns:a="http://schemas.openxmlformats.org/drawingml/2006/main" xmlns:r="http://schemas.openxmlformats.org/officeDocument/2006/relationships" xmlns:p="http://schemas.openxmlformats.org/presentationml/2006/main">
-  <p:cSld>
-    <p:spTree>
-      <p:nvGrpSpPr>
-        <p:cNvPr id="1" name="">
-          <a:extLst>
-            <a:ext uri="{FF2B5EF4-FFF2-40B4-BE49-F238E27FC236}">
-              <a16:creationId xmlns:a16="http://schemas.microsoft.com/office/drawing/2014/main" id="{51E8B79B-E8E6-9CBC-CFFE-FCF3DF3ACC0B}"/>
-            </a:ext>
-          </a:extLst>
-        </p:cNvPr>
-        <p:cNvGrpSpPr/>
-        <p:nvPr/>
-      </p:nvGrpSpPr>
-      <p:grpSpPr>
-        <a:xfrm>
-          <a:off x="0" y="0"/>
-          <a:ext cx="0" cy="0"/>
-          <a:chOff x="0" y="0"/>
-          <a:chExt cx="0" cy="0"/>
-        </a:xfrm>
-      </p:grpSpPr>
-      <p:sp>
-        <p:nvSpPr>
-          <p:cNvPr id="25" name="Title 24">
-            <a:extLst>
-              <a:ext uri="{FF2B5EF4-FFF2-40B4-BE49-F238E27FC236}">
-                <a16:creationId xmlns:a16="http://schemas.microsoft.com/office/drawing/2014/main" id="{F8453FC2-5BE9-D49A-A77C-346F0550F648}"/>
-              </a:ext>
-            </a:extLst>
-          </p:cNvPr>
-          <p:cNvSpPr>
-            <a:spLocks noGrp="1"/>
-          </p:cNvSpPr>
-          <p:nvPr>
-            <p:ph type="title"/>
-          </p:nvPr>
-        </p:nvSpPr>
-        <p:spPr/>
-        <p:txBody>
-          <a:bodyPr/>
-          <a:lstStyle/>
-          <a:p>
-            <a:r>
-              <a:rPr lang="en-US" dirty="0"/>
-              <a:t>Inference for Two Independent Means</a:t>
-            </a:r>
-          </a:p>
-        </p:txBody>
-      </p:sp>
-      <mc:AlternateContent xmlns:mc="http://schemas.openxmlformats.org/markup-compatibility/2006">
-        <mc:Choice xmlns:a14="http://schemas.microsoft.com/office/drawing/2010/main" Requires="a14">
-          <p:sp>
-            <p:nvSpPr>
-              <p:cNvPr id="2" name="TextBox 1">
-                <a:extLst>
-                  <a:ext uri="{FF2B5EF4-FFF2-40B4-BE49-F238E27FC236}">
-                    <a16:creationId xmlns:a16="http://schemas.microsoft.com/office/drawing/2014/main" id="{8D969975-513F-DB6C-92CE-5FE1EB582BDC}"/>
-                  </a:ext>
-                </a:extLst>
-              </p:cNvPr>
-              <p:cNvSpPr txBox="1"/>
-              <p:nvPr/>
-            </p:nvSpPr>
-            <p:spPr>
-              <a:xfrm>
-                <a:off x="3481771" y="276950"/>
-                <a:ext cx="8457309" cy="3970318"/>
-              </a:xfrm>
-              <a:prstGeom prst="rect">
-                <a:avLst/>
-              </a:prstGeom>
-              <a:noFill/>
-            </p:spPr>
-            <p:txBody>
-              <a:bodyPr wrap="square" rtlCol="0">
-                <a:spAutoFit/>
-              </a:bodyPr>
-              <a:lstStyle/>
-              <a:p>
-                <a:r>
-                  <a:rPr lang="en-US" sz="2400" b="1" dirty="0"/>
-                  <a:t>Hypothesis Test for Difference Between Two Independent Means</a:t>
-                </a:r>
-              </a:p>
-              <a:p>
-                <a:endParaRPr lang="en-US" sz="2400" dirty="0"/>
-              </a:p>
-              <a:p>
-                <a:r>
-                  <a:rPr lang="en-US" sz="2400" dirty="0"/>
-                  <a:t>For a hypothesis test, our null hypothesis will be that there is no difference between means. </a:t>
-                </a:r>
-              </a:p>
-              <a:p>
-                <a:endParaRPr lang="en-US" sz="2400" dirty="0"/>
-              </a:p>
-              <a:p>
-                <a:r>
-                  <a:rPr lang="en-US" sz="2400" dirty="0"/>
-                  <a:t>We use </a:t>
-                </a:r>
-                <a14:m>
-                  <m:oMath xmlns:m="http://schemas.openxmlformats.org/officeDocument/2006/math">
-                    <m:sSub>
-                      <m:sSubPr>
-                        <m:ctrlPr>
-                          <a:rPr lang="en-US" sz="2400" i="1">
-                            <a:latin typeface="Cambria Math" panose="02040503050406030204" pitchFamily="18" charset="0"/>
-                          </a:rPr>
-                        </m:ctrlPr>
-                      </m:sSubPr>
-                      <m:e>
-                        <m:r>
-                          <a:rPr lang="en-US" sz="2400" i="1">
-                            <a:latin typeface="Cambria Math" panose="02040503050406030204" pitchFamily="18" charset="0"/>
-                          </a:rPr>
-                          <m:t>𝑠</m:t>
-                        </m:r>
-                      </m:e>
-                      <m:sub>
-                        <m:r>
-                          <a:rPr lang="en-US" sz="2400" i="1">
-                            <a:latin typeface="Cambria Math" panose="02040503050406030204" pitchFamily="18" charset="0"/>
-                          </a:rPr>
-                          <m:t>1</m:t>
-                        </m:r>
-                      </m:sub>
-                    </m:sSub>
-                  </m:oMath>
-                </a14:m>
-                <a:r>
-                  <a:rPr lang="en-US" sz="2400" dirty="0"/>
-                  <a:t> and </a:t>
-                </a:r>
-                <a14:m>
-                  <m:oMath xmlns:m="http://schemas.openxmlformats.org/officeDocument/2006/math">
-                    <m:sSub>
-                      <m:sSubPr>
-                        <m:ctrlPr>
-                          <a:rPr lang="en-US" sz="2400" i="1">
-                            <a:latin typeface="Cambria Math" panose="02040503050406030204" pitchFamily="18" charset="0"/>
-                          </a:rPr>
-                        </m:ctrlPr>
-                      </m:sSubPr>
-                      <m:e>
-                        <m:r>
-                          <a:rPr lang="en-US" sz="2400" i="1">
-                            <a:latin typeface="Cambria Math" panose="02040503050406030204" pitchFamily="18" charset="0"/>
-                          </a:rPr>
-                          <m:t>𝑠</m:t>
-                        </m:r>
-                      </m:e>
-                      <m:sub>
-                        <m:r>
-                          <a:rPr lang="en-US" sz="2400" i="1">
-                            <a:latin typeface="Cambria Math" panose="02040503050406030204" pitchFamily="18" charset="0"/>
-                          </a:rPr>
-                          <m:t>2</m:t>
-                        </m:r>
-                      </m:sub>
-                    </m:sSub>
-                  </m:oMath>
-                </a14:m>
-                <a:r>
-                  <a:rPr lang="en-US" sz="2400" dirty="0"/>
-                  <a:t> as the best guess of </a:t>
-                </a:r>
-                <a14:m>
-                  <m:oMath xmlns:m="http://schemas.openxmlformats.org/officeDocument/2006/math">
-                    <m:sSub>
-                      <m:sSubPr>
-                        <m:ctrlPr>
-                          <a:rPr lang="en-US" sz="2400" i="1">
-                            <a:latin typeface="Cambria Math" panose="02040503050406030204" pitchFamily="18" charset="0"/>
-                          </a:rPr>
-                        </m:ctrlPr>
-                      </m:sSubPr>
-                      <m:e>
-                        <m:r>
-                          <a:rPr lang="en-US" sz="2400" i="1">
-                            <a:latin typeface="Cambria Math" panose="02040503050406030204" pitchFamily="18" charset="0"/>
-                          </a:rPr>
-                          <m:t>𝜎</m:t>
-                        </m:r>
-                      </m:e>
-                      <m:sub>
-                        <m:r>
-                          <a:rPr lang="en-US" sz="2400" i="1">
-                            <a:latin typeface="Cambria Math" panose="02040503050406030204" pitchFamily="18" charset="0"/>
-                          </a:rPr>
-                          <m:t>1</m:t>
-                        </m:r>
-                      </m:sub>
-                    </m:sSub>
-                  </m:oMath>
-                </a14:m>
-                <a:r>
-                  <a:rPr lang="en-US" sz="2400" dirty="0"/>
-                  <a:t> and </a:t>
-                </a:r>
-                <a14:m>
-                  <m:oMath xmlns:m="http://schemas.openxmlformats.org/officeDocument/2006/math">
-                    <m:sSub>
-                      <m:sSubPr>
-                        <m:ctrlPr>
-                          <a:rPr lang="en-US" sz="2400" i="1">
-                            <a:latin typeface="Cambria Math" panose="02040503050406030204" pitchFamily="18" charset="0"/>
-                          </a:rPr>
-                        </m:ctrlPr>
-                      </m:sSubPr>
-                      <m:e>
-                        <m:r>
-                          <a:rPr lang="en-US" sz="2400" i="1">
-                            <a:latin typeface="Cambria Math" panose="02040503050406030204" pitchFamily="18" charset="0"/>
-                          </a:rPr>
-                          <m:t>𝜎</m:t>
-                        </m:r>
-                      </m:e>
-                      <m:sub>
-                        <m:r>
-                          <a:rPr lang="en-US" sz="2400" i="1">
-                            <a:latin typeface="Cambria Math" panose="02040503050406030204" pitchFamily="18" charset="0"/>
-                          </a:rPr>
-                          <m:t>2</m:t>
-                        </m:r>
-                      </m:sub>
-                    </m:sSub>
-                  </m:oMath>
-                </a14:m>
-                <a:r>
-                  <a:rPr lang="en-US" sz="2400" dirty="0"/>
-                  <a:t>, so  </a:t>
-                </a:r>
-              </a:p>
-              <a:p>
-                <a:r>
-                  <a:rPr lang="en-US" sz="2400" dirty="0"/>
-                  <a:t> </a:t>
-                </a:r>
-                <a14:m>
-                  <m:oMath xmlns:m="http://schemas.openxmlformats.org/officeDocument/2006/math">
-                    <m:r>
-                      <a:rPr lang="en-US" sz="2400" i="1">
-                        <a:latin typeface="Cambria Math" panose="02040503050406030204" pitchFamily="18" charset="0"/>
-                      </a:rPr>
-                      <m:t>𝑆𝐸</m:t>
-                    </m:r>
-                    <m:d>
-                      <m:dPr>
-                        <m:ctrlPr>
-                          <a:rPr lang="en-US" sz="2400" i="1">
-                            <a:latin typeface="Cambria Math" panose="02040503050406030204" pitchFamily="18" charset="0"/>
-                          </a:rPr>
-                        </m:ctrlPr>
-                      </m:dPr>
-                      <m:e>
-                        <m:sSub>
-                          <m:sSubPr>
-                            <m:ctrlPr>
-                              <a:rPr lang="en-US" sz="2400" i="1" dirty="0">
-                                <a:latin typeface="Cambria Math" panose="02040503050406030204" pitchFamily="18" charset="0"/>
-                              </a:rPr>
-                            </m:ctrlPr>
-                          </m:sSubPr>
-                          <m:e>
-                            <m:acc>
-                              <m:accPr>
-                                <m:chr m:val="̅"/>
-                                <m:ctrlPr>
-                                  <a:rPr lang="en-US" sz="2400" i="1" dirty="0">
-                                    <a:latin typeface="Cambria Math" panose="02040503050406030204" pitchFamily="18" charset="0"/>
-                                  </a:rPr>
-                                </m:ctrlPr>
-                              </m:accPr>
-                              <m:e>
-                                <m:r>
-                                  <a:rPr lang="en-US" sz="2400" i="1" dirty="0">
-                                    <a:latin typeface="Cambria Math" panose="02040503050406030204" pitchFamily="18" charset="0"/>
-                                  </a:rPr>
-                                  <m:t>𝑥</m:t>
-                                </m:r>
-                              </m:e>
-                            </m:acc>
-                          </m:e>
-                          <m:sub>
-                            <m:r>
-                              <a:rPr lang="en-US" sz="2400" i="1" dirty="0">
-                                <a:latin typeface="Cambria Math" panose="02040503050406030204" pitchFamily="18" charset="0"/>
-                              </a:rPr>
-                              <m:t>1</m:t>
-                            </m:r>
-                          </m:sub>
-                        </m:sSub>
-                        <m:r>
-                          <a:rPr lang="en-US" sz="2400" i="1" dirty="0">
-                            <a:latin typeface="Cambria Math" panose="02040503050406030204" pitchFamily="18" charset="0"/>
-                          </a:rPr>
-                          <m:t>−</m:t>
-                        </m:r>
-                        <m:sSub>
-                          <m:sSubPr>
-                            <m:ctrlPr>
-                              <a:rPr lang="en-US" sz="2400" i="1" dirty="0">
-                                <a:latin typeface="Cambria Math" panose="02040503050406030204" pitchFamily="18" charset="0"/>
-                              </a:rPr>
-                            </m:ctrlPr>
-                          </m:sSubPr>
-                          <m:e>
-                            <m:acc>
-                              <m:accPr>
-                                <m:chr m:val="̅"/>
-                                <m:ctrlPr>
-                                  <a:rPr lang="en-US" sz="2400" i="1" dirty="0">
-                                    <a:latin typeface="Cambria Math" panose="02040503050406030204" pitchFamily="18" charset="0"/>
-                                  </a:rPr>
-                                </m:ctrlPr>
-                              </m:accPr>
-                              <m:e>
-                                <m:r>
-                                  <a:rPr lang="en-US" sz="2400" i="1" dirty="0">
-                                    <a:latin typeface="Cambria Math" panose="02040503050406030204" pitchFamily="18" charset="0"/>
-                                  </a:rPr>
-                                  <m:t>𝑥</m:t>
-                                </m:r>
-                              </m:e>
-                            </m:acc>
-                          </m:e>
-                          <m:sub>
-                            <m:r>
-                              <a:rPr lang="en-US" sz="2400" i="1" dirty="0">
-                                <a:latin typeface="Cambria Math" panose="02040503050406030204" pitchFamily="18" charset="0"/>
-                              </a:rPr>
-                              <m:t>2</m:t>
-                            </m:r>
-                          </m:sub>
-                        </m:sSub>
-                      </m:e>
-                    </m:d>
-                    <m:r>
-                      <a:rPr lang="en-US" sz="2400" i="1">
-                        <a:latin typeface="Cambria Math" panose="02040503050406030204" pitchFamily="18" charset="0"/>
-                      </a:rPr>
-                      <m:t>=</m:t>
-                    </m:r>
-                    <m:rad>
-                      <m:radPr>
-                        <m:degHide m:val="on"/>
-                        <m:ctrlPr>
-                          <a:rPr lang="en-US" sz="2400" i="1">
-                            <a:latin typeface="Cambria Math" panose="02040503050406030204" pitchFamily="18" charset="0"/>
-                          </a:rPr>
-                        </m:ctrlPr>
-                      </m:radPr>
-                      <m:deg/>
-                      <m:e>
-                        <m:f>
-                          <m:fPr>
-                            <m:ctrlPr>
-                              <a:rPr lang="en-US" sz="2400" i="1">
-                                <a:latin typeface="Cambria Math" panose="02040503050406030204" pitchFamily="18" charset="0"/>
-                              </a:rPr>
-                            </m:ctrlPr>
-                          </m:fPr>
-                          <m:num>
-                            <m:sSubSup>
-                              <m:sSubSupPr>
-                                <m:ctrlPr>
-                                  <a:rPr lang="en-US" sz="2400" i="1">
-                                    <a:latin typeface="Cambria Math" panose="02040503050406030204" pitchFamily="18" charset="0"/>
-                                  </a:rPr>
-                                </m:ctrlPr>
-                              </m:sSubSupPr>
-                              <m:e>
-                                <m:r>
-                                  <a:rPr lang="en-US" sz="2400" i="1">
-                                    <a:latin typeface="Cambria Math" panose="02040503050406030204" pitchFamily="18" charset="0"/>
-                                  </a:rPr>
-                                  <m:t>𝑠</m:t>
-                                </m:r>
-                              </m:e>
-                              <m:sub>
-                                <m:r>
-                                  <a:rPr lang="en-US" sz="2400" i="1">
-                                    <a:latin typeface="Cambria Math" panose="02040503050406030204" pitchFamily="18" charset="0"/>
-                                  </a:rPr>
-                                  <m:t>1</m:t>
-                                </m:r>
-                              </m:sub>
-                              <m:sup>
-                                <m:r>
-                                  <a:rPr lang="en-US" sz="2400" i="1">
-                                    <a:latin typeface="Cambria Math" panose="02040503050406030204" pitchFamily="18" charset="0"/>
-                                  </a:rPr>
-                                  <m:t>2</m:t>
-                                </m:r>
-                              </m:sup>
-                            </m:sSubSup>
-                          </m:num>
-                          <m:den>
-                            <m:sSub>
-                              <m:sSubPr>
-                                <m:ctrlPr>
-                                  <a:rPr lang="en-US" sz="2400" i="1">
-                                    <a:latin typeface="Cambria Math" panose="02040503050406030204" pitchFamily="18" charset="0"/>
-                                  </a:rPr>
-                                </m:ctrlPr>
-                              </m:sSubPr>
-                              <m:e>
-                                <m:r>
-                                  <a:rPr lang="en-US" sz="2400" i="1">
-                                    <a:latin typeface="Cambria Math" panose="02040503050406030204" pitchFamily="18" charset="0"/>
-                                  </a:rPr>
-                                  <m:t>𝑛</m:t>
-                                </m:r>
-                              </m:e>
-                              <m:sub>
-                                <m:r>
-                                  <a:rPr lang="en-US" sz="2400" i="1">
-                                    <a:latin typeface="Cambria Math" panose="02040503050406030204" pitchFamily="18" charset="0"/>
-                                  </a:rPr>
-                                  <m:t>1</m:t>
-                                </m:r>
-                              </m:sub>
-                            </m:sSub>
-                          </m:den>
-                        </m:f>
-                        <m:r>
-                          <a:rPr lang="en-US" sz="2400" i="1">
-                            <a:latin typeface="Cambria Math" panose="02040503050406030204" pitchFamily="18" charset="0"/>
-                          </a:rPr>
-                          <m:t>+</m:t>
-                        </m:r>
-                        <m:f>
-                          <m:fPr>
-                            <m:ctrlPr>
-                              <a:rPr lang="en-US" sz="2400" i="1">
-                                <a:latin typeface="Cambria Math" panose="02040503050406030204" pitchFamily="18" charset="0"/>
-                              </a:rPr>
-                            </m:ctrlPr>
-                          </m:fPr>
-                          <m:num>
-                            <m:sSubSup>
-                              <m:sSubSupPr>
-                                <m:ctrlPr>
-                                  <a:rPr lang="en-US" sz="2400" i="1">
-                                    <a:latin typeface="Cambria Math" panose="02040503050406030204" pitchFamily="18" charset="0"/>
-                                  </a:rPr>
-                                </m:ctrlPr>
-                              </m:sSubSupPr>
-                              <m:e>
-                                <m:r>
-                                  <a:rPr lang="en-US" sz="2400" i="1">
-                                    <a:latin typeface="Cambria Math" panose="02040503050406030204" pitchFamily="18" charset="0"/>
-                                  </a:rPr>
-                                  <m:t>𝑠</m:t>
-                                </m:r>
-                              </m:e>
-                              <m:sub>
-                                <m:r>
-                                  <a:rPr lang="en-US" sz="2400" i="1">
-                                    <a:latin typeface="Cambria Math" panose="02040503050406030204" pitchFamily="18" charset="0"/>
-                                  </a:rPr>
-                                  <m:t>2</m:t>
-                                </m:r>
-                              </m:sub>
-                              <m:sup>
-                                <m:r>
-                                  <a:rPr lang="en-US" sz="2400" i="1">
-                                    <a:latin typeface="Cambria Math" panose="02040503050406030204" pitchFamily="18" charset="0"/>
-                                  </a:rPr>
-                                  <m:t>2</m:t>
-                                </m:r>
-                              </m:sup>
-                            </m:sSubSup>
-                          </m:num>
-                          <m:den>
-                            <m:sSub>
-                              <m:sSubPr>
-                                <m:ctrlPr>
-                                  <a:rPr lang="en-US" sz="2400" i="1">
-                                    <a:latin typeface="Cambria Math" panose="02040503050406030204" pitchFamily="18" charset="0"/>
-                                  </a:rPr>
-                                </m:ctrlPr>
-                              </m:sSubPr>
-                              <m:e>
-                                <m:r>
-                                  <a:rPr lang="en-US" sz="2400" i="1">
-                                    <a:latin typeface="Cambria Math" panose="02040503050406030204" pitchFamily="18" charset="0"/>
-                                  </a:rPr>
-                                  <m:t>𝑛</m:t>
-                                </m:r>
-                              </m:e>
-                              <m:sub>
-                                <m:r>
-                                  <a:rPr lang="en-US" sz="2400" i="1">
-                                    <a:latin typeface="Cambria Math" panose="02040503050406030204" pitchFamily="18" charset="0"/>
-                                  </a:rPr>
-                                  <m:t>2</m:t>
-                                </m:r>
-                              </m:sub>
-                            </m:sSub>
-                          </m:den>
-                        </m:f>
-                      </m:e>
-                    </m:rad>
-                  </m:oMath>
-                </a14:m>
-                <a:endParaRPr lang="en-US" sz="2400" dirty="0"/>
-              </a:p>
-              <a:p>
-                <a:r>
-                  <a:rPr lang="en-US" sz="2400" dirty="0"/>
-                  <a:t>Then,  </a:t>
-                </a:r>
-                <a14:m>
-                  <m:oMath xmlns:m="http://schemas.openxmlformats.org/officeDocument/2006/math">
-                    <m:r>
-                      <a:rPr lang="en-US" sz="2400" i="1">
-                        <a:latin typeface="Cambria Math" panose="02040503050406030204" pitchFamily="18" charset="0"/>
-                      </a:rPr>
-                      <m:t>𝑇</m:t>
-                    </m:r>
-                    <m:r>
-                      <a:rPr lang="en-US" sz="2400" i="1">
-                        <a:latin typeface="Cambria Math" panose="02040503050406030204" pitchFamily="18" charset="0"/>
-                      </a:rPr>
-                      <m:t>=</m:t>
-                    </m:r>
-                    <m:f>
-                      <m:fPr>
-                        <m:ctrlPr>
-                          <a:rPr lang="en-US" sz="2400" i="1">
-                            <a:latin typeface="Cambria Math" panose="02040503050406030204" pitchFamily="18" charset="0"/>
-                          </a:rPr>
-                        </m:ctrlPr>
-                      </m:fPr>
-                      <m:num>
-                        <m:sSub>
-                          <m:sSubPr>
-                            <m:ctrlPr>
-                              <a:rPr lang="en-US" sz="2400" i="1">
-                                <a:latin typeface="Cambria Math" panose="02040503050406030204" pitchFamily="18" charset="0"/>
-                              </a:rPr>
-                            </m:ctrlPr>
-                          </m:sSubPr>
-                          <m:e>
-                            <m:r>
-                              <a:rPr lang="en-US" sz="2400" i="1">
-                                <a:latin typeface="Cambria Math" panose="02040503050406030204" pitchFamily="18" charset="0"/>
-                              </a:rPr>
-                              <m:t>(</m:t>
-                            </m:r>
-                            <m:acc>
-                              <m:accPr>
-                                <m:chr m:val="̅"/>
-                                <m:ctrlPr>
-                                  <a:rPr lang="en-US" sz="2400" i="1">
-                                    <a:latin typeface="Cambria Math" panose="02040503050406030204" pitchFamily="18" charset="0"/>
-                                  </a:rPr>
-                                </m:ctrlPr>
-                              </m:accPr>
-                              <m:e>
-                                <m:r>
-                                  <a:rPr lang="en-US" sz="2400" i="1">
-                                    <a:latin typeface="Cambria Math" panose="02040503050406030204" pitchFamily="18" charset="0"/>
-                                  </a:rPr>
-                                  <m:t>𝑥</m:t>
-                                </m:r>
-                              </m:e>
-                            </m:acc>
-                          </m:e>
-                          <m:sub>
-                            <m:r>
-                              <a:rPr lang="en-US" sz="2400" i="1">
-                                <a:latin typeface="Cambria Math" panose="02040503050406030204" pitchFamily="18" charset="0"/>
-                              </a:rPr>
-                              <m:t>1</m:t>
-                            </m:r>
-                          </m:sub>
-                        </m:sSub>
-                        <m:r>
-                          <a:rPr lang="en-US" sz="2400" i="1">
-                            <a:latin typeface="Cambria Math" panose="02040503050406030204" pitchFamily="18" charset="0"/>
-                          </a:rPr>
-                          <m:t>−</m:t>
-                        </m:r>
-                        <m:sSub>
-                          <m:sSubPr>
-                            <m:ctrlPr>
-                              <a:rPr lang="en-US" sz="2400" i="1">
-                                <a:latin typeface="Cambria Math" panose="02040503050406030204" pitchFamily="18" charset="0"/>
-                              </a:rPr>
-                            </m:ctrlPr>
-                          </m:sSubPr>
-                          <m:e>
-                            <m:acc>
-                              <m:accPr>
-                                <m:chr m:val="̅"/>
-                                <m:ctrlPr>
-                                  <a:rPr lang="en-US" sz="2400" i="1">
-                                    <a:latin typeface="Cambria Math" panose="02040503050406030204" pitchFamily="18" charset="0"/>
-                                  </a:rPr>
-                                </m:ctrlPr>
-                              </m:accPr>
-                              <m:e>
-                                <m:r>
-                                  <a:rPr lang="en-US" sz="2400" i="1">
-                                    <a:latin typeface="Cambria Math" panose="02040503050406030204" pitchFamily="18" charset="0"/>
-                                  </a:rPr>
-                                  <m:t>𝑥</m:t>
-                                </m:r>
-                              </m:e>
-                            </m:acc>
-                          </m:e>
-                          <m:sub>
-                            <m:r>
-                              <a:rPr lang="en-US" sz="2400" i="1">
-                                <a:latin typeface="Cambria Math" panose="02040503050406030204" pitchFamily="18" charset="0"/>
-                              </a:rPr>
-                              <m:t>2</m:t>
-                            </m:r>
-                          </m:sub>
-                        </m:sSub>
-                        <m:r>
-                          <a:rPr lang="en-US" sz="2400" i="1">
-                            <a:latin typeface="Cambria Math" panose="02040503050406030204" pitchFamily="18" charset="0"/>
-                          </a:rPr>
-                          <m:t>) −0</m:t>
-                        </m:r>
-                      </m:num>
-                      <m:den>
-                        <m:r>
-                          <a:rPr lang="en-US" sz="2400" i="1">
-                            <a:latin typeface="Cambria Math" panose="02040503050406030204" pitchFamily="18" charset="0"/>
-                          </a:rPr>
-                          <m:t>𝑆𝐸</m:t>
-                        </m:r>
-                      </m:den>
-                    </m:f>
-                  </m:oMath>
-                </a14:m>
-                <a:r>
-                  <a:rPr lang="en-US" sz="2400" dirty="0"/>
-                  <a:t> , and </a:t>
-                </a:r>
-                <a:r>
-                  <a:rPr lang="en-US" sz="2400" dirty="0" err="1"/>
-                  <a:t>df</a:t>
-                </a:r>
-                <a:r>
-                  <a:rPr lang="en-US" sz="2400" dirty="0"/>
-                  <a:t> is the smaller of </a:t>
-                </a:r>
-                <a14:m>
-                  <m:oMath xmlns:m="http://schemas.openxmlformats.org/officeDocument/2006/math">
-                    <m:sSub>
-                      <m:sSubPr>
-                        <m:ctrlPr>
-                          <a:rPr lang="en-US" sz="2400" i="1">
-                            <a:latin typeface="Cambria Math" panose="02040503050406030204" pitchFamily="18" charset="0"/>
-                          </a:rPr>
-                        </m:ctrlPr>
-                      </m:sSubPr>
-                      <m:e>
-                        <m:r>
-                          <a:rPr lang="en-US" sz="2400" i="1">
-                            <a:latin typeface="Cambria Math" panose="02040503050406030204" pitchFamily="18" charset="0"/>
-                          </a:rPr>
-                          <m:t>𝑛</m:t>
-                        </m:r>
-                      </m:e>
-                      <m:sub>
-                        <m:r>
-                          <a:rPr lang="en-US" sz="2400" i="1">
-                            <a:latin typeface="Cambria Math" panose="02040503050406030204" pitchFamily="18" charset="0"/>
-                          </a:rPr>
-                          <m:t>1</m:t>
-                        </m:r>
-                      </m:sub>
-                    </m:sSub>
-                    <m:r>
-                      <a:rPr lang="en-US" sz="2400" i="1">
-                        <a:latin typeface="Cambria Math" panose="02040503050406030204" pitchFamily="18" charset="0"/>
-                      </a:rPr>
-                      <m:t>−1, </m:t>
-                    </m:r>
-                    <m:sSub>
-                      <m:sSubPr>
-                        <m:ctrlPr>
-                          <a:rPr lang="en-US" sz="2400" i="1">
-                            <a:latin typeface="Cambria Math" panose="02040503050406030204" pitchFamily="18" charset="0"/>
-                          </a:rPr>
-                        </m:ctrlPr>
-                      </m:sSubPr>
-                      <m:e>
-                        <m:r>
-                          <a:rPr lang="en-US" sz="2400" i="1">
-                            <a:latin typeface="Cambria Math" panose="02040503050406030204" pitchFamily="18" charset="0"/>
-                          </a:rPr>
-                          <m:t>𝑛</m:t>
-                        </m:r>
-                      </m:e>
-                      <m:sub>
-                        <m:r>
-                          <a:rPr lang="en-US" sz="2400" i="1">
-                            <a:latin typeface="Cambria Math" panose="02040503050406030204" pitchFamily="18" charset="0"/>
-                          </a:rPr>
-                          <m:t>2</m:t>
-                        </m:r>
-                      </m:sub>
-                    </m:sSub>
-                    <m:r>
-                      <a:rPr lang="en-US" sz="2400" i="1">
-                        <a:latin typeface="Cambria Math" panose="02040503050406030204" pitchFamily="18" charset="0"/>
-                      </a:rPr>
-                      <m:t>−1</m:t>
-                    </m:r>
-                  </m:oMath>
-                </a14:m>
-                <a:endParaRPr lang="en-US" sz="2400" dirty="0"/>
-              </a:p>
-            </p:txBody>
-          </p:sp>
-        </mc:Choice>
-        <mc:Fallback>
-          <p:sp>
-            <p:nvSpPr>
-              <p:cNvPr id="2" name="TextBox 1">
-                <a:extLst>
-                  <a:ext uri="{FF2B5EF4-FFF2-40B4-BE49-F238E27FC236}">
-                    <a16:creationId xmlns:a16="http://schemas.microsoft.com/office/drawing/2014/main" id="{8D969975-513F-DB6C-92CE-5FE1EB582BDC}"/>
-                  </a:ext>
-                </a:extLst>
-              </p:cNvPr>
-              <p:cNvSpPr txBox="1">
-                <a:spLocks noRot="1" noChangeAspect="1" noMove="1" noResize="1" noEditPoints="1" noAdjustHandles="1" noChangeArrowheads="1" noChangeShapeType="1" noTextEdit="1"/>
-              </p:cNvSpPr>
-              <p:nvPr/>
-            </p:nvSpPr>
-            <p:spPr>
-              <a:xfrm>
-                <a:off x="3481771" y="276950"/>
-                <a:ext cx="8457309" cy="3970318"/>
-              </a:xfrm>
-              <a:prstGeom prst="rect">
-                <a:avLst/>
-              </a:prstGeom>
-              <a:blipFill>
-                <a:blip r:embed="rId3"/>
-                <a:stretch>
-                  <a:fillRect l="-1199" t="-1274" b="-318"/>
-                </a:stretch>
-              </a:blipFill>
-            </p:spPr>
-            <p:txBody>
-              <a:bodyPr/>
-              <a:lstStyle/>
-              <a:p>
-                <a:r>
-                  <a:rPr lang="en-US">
-                    <a:noFill/>
-                  </a:rPr>
-                  <a:t> </a:t>
-                </a:r>
-              </a:p>
-            </p:txBody>
-          </p:sp>
-        </mc:Fallback>
-      </mc:AlternateContent>
-    </p:spTree>
-    <p:extLst>
-      <p:ext uri="{BB962C8B-B14F-4D97-AF65-F5344CB8AC3E}">
-        <p14:creationId xmlns:p14="http://schemas.microsoft.com/office/powerpoint/2010/main" val="3372381027"/>
       </p:ext>
     </p:extLst>
   </p:cSld>
@@ -18546,8 +17955,8 @@
           </a:p>
         </p:txBody>
       </p:sp>
-      <mc:AlternateContent xmlns:mc="http://schemas.openxmlformats.org/markup-compatibility/2006">
-        <mc:Choice xmlns:a14="http://schemas.microsoft.com/office/drawing/2010/main" Requires="a14">
+      <mc:AlternateContent xmlns:mc="http://schemas.openxmlformats.org/markup-compatibility/2006" xmlns:a14="http://schemas.microsoft.com/office/drawing/2010/main">
+        <mc:Choice Requires="a14">
           <p:sp>
             <p:nvSpPr>
               <p:cNvPr id="2" name="TextBox 1">
@@ -19221,7 +18630,7 @@
             </p:txBody>
           </p:sp>
         </mc:Choice>
-        <mc:Fallback>
+        <mc:Fallback xmlns="">
           <p:sp>
             <p:nvSpPr>
               <p:cNvPr id="2" name="TextBox 1">
@@ -19266,130 +18675,10 @@
           </p:sp>
         </mc:Fallback>
       </mc:AlternateContent>
-      <mc:AlternateContent xmlns:mc="http://schemas.openxmlformats.org/markup-compatibility/2006">
-        <mc:Choice xmlns:a14="http://schemas.microsoft.com/office/drawing/2010/main" Requires="a14">
-          <p:sp>
-            <p:nvSpPr>
-              <p:cNvPr id="3" name="Rounded Rectangle 2">
-                <a:extLst>
-                  <a:ext uri="{FF2B5EF4-FFF2-40B4-BE49-F238E27FC236}">
-                    <a16:creationId xmlns:a16="http://schemas.microsoft.com/office/drawing/2014/main" id="{14EE3A0F-0F09-F7E5-FA7E-F08EB993F89C}"/>
-                  </a:ext>
-                </a:extLst>
-              </p:cNvPr>
-              <p:cNvSpPr/>
-              <p:nvPr/>
-            </p:nvSpPr>
-            <p:spPr>
-              <a:xfrm>
-                <a:off x="252918" y="4472610"/>
-                <a:ext cx="11686161" cy="2426494"/>
-              </a:xfrm>
-              <a:prstGeom prst="roundRect">
-                <a:avLst/>
-              </a:prstGeom>
-            </p:spPr>
-            <p:style>
-              <a:lnRef idx="0">
-                <a:schemeClr val="accent5"/>
-              </a:lnRef>
-              <a:fillRef idx="3">
-                <a:schemeClr val="accent5"/>
-              </a:fillRef>
-              <a:effectRef idx="3">
-                <a:schemeClr val="accent5"/>
-              </a:effectRef>
-              <a:fontRef idx="minor">
-                <a:schemeClr val="lt1"/>
-              </a:fontRef>
-            </p:style>
-            <p:txBody>
-              <a:bodyPr rtlCol="0" anchor="ctr"/>
-              <a:lstStyle/>
-              <a:p>
-                <a:pPr algn="ctr"/>
-                <a:r>
-                  <a:rPr lang="en-US" sz="2400" dirty="0"/>
-                  <a:t>You suspect WSU and SC students spend different amounts of time working per week. You perform an experiment to statistically test this suspicion. You sample 120 WSU students and find on average they work 20 hours/week. You sample 130 SC students and find on average they work 7 hours/week.</a:t>
-                </a:r>
-              </a:p>
-              <a:p>
-                <a:pPr algn="ctr"/>
-                <a:endParaRPr lang="en-US" sz="2400" dirty="0"/>
-              </a:p>
-              <a:p>
-                <a:pPr algn="ctr"/>
-                <a:r>
-                  <a:rPr lang="en-US" sz="2400" dirty="0"/>
-                  <a:t>Finish the hypothesis test. Calculate T, find the p-value, and compare to an </a:t>
-                </a:r>
-                <a14:m>
-                  <m:oMath xmlns:m="http://schemas.openxmlformats.org/officeDocument/2006/math">
-                    <m:r>
-                      <a:rPr lang="en-US" sz="2400" b="0" i="1" smtClean="0">
-                        <a:latin typeface="Cambria Math" panose="02040503050406030204" pitchFamily="18" charset="0"/>
-                      </a:rPr>
-                      <m:t>𝛼</m:t>
-                    </m:r>
-                  </m:oMath>
-                </a14:m>
-                <a:r>
-                  <a:rPr lang="en-US" sz="2400" dirty="0"/>
-                  <a:t> of 0.05.</a:t>
-                </a:r>
-              </a:p>
-            </p:txBody>
-          </p:sp>
-        </mc:Choice>
-        <mc:Fallback>
-          <p:sp>
-            <p:nvSpPr>
-              <p:cNvPr id="3" name="Rounded Rectangle 2">
-                <a:extLst>
-                  <a:ext uri="{FF2B5EF4-FFF2-40B4-BE49-F238E27FC236}">
-                    <a16:creationId xmlns:a16="http://schemas.microsoft.com/office/drawing/2014/main" id="{14EE3A0F-0F09-F7E5-FA7E-F08EB993F89C}"/>
-                  </a:ext>
-                </a:extLst>
-              </p:cNvPr>
-              <p:cNvSpPr>
-                <a:spLocks noRot="1" noChangeAspect="1" noMove="1" noResize="1" noEditPoints="1" noAdjustHandles="1" noChangeArrowheads="1" noChangeShapeType="1" noTextEdit="1"/>
-              </p:cNvSpPr>
-              <p:nvPr/>
-            </p:nvSpPr>
-            <p:spPr>
-              <a:xfrm>
-                <a:off x="252918" y="4472610"/>
-                <a:ext cx="11686161" cy="2426494"/>
-              </a:xfrm>
-              <a:prstGeom prst="roundRect">
-                <a:avLst/>
-              </a:prstGeom>
-              <a:blipFill>
-                <a:blip r:embed="rId4"/>
-                <a:stretch>
-                  <a:fillRect/>
-                </a:stretch>
-              </a:blipFill>
-            </p:spPr>
-            <p:txBody>
-              <a:bodyPr/>
-              <a:lstStyle/>
-              <a:p>
-                <a:r>
-                  <a:rPr lang="en-US">
-                    <a:noFill/>
-                  </a:rPr>
-                  <a:t> </a:t>
-                </a:r>
-              </a:p>
-            </p:txBody>
-          </p:sp>
-        </mc:Fallback>
-      </mc:AlternateContent>
     </p:spTree>
     <p:extLst>
       <p:ext uri="{BB962C8B-B14F-4D97-AF65-F5344CB8AC3E}">
-        <p14:creationId xmlns:p14="http://schemas.microsoft.com/office/powerpoint/2010/main" val="1682374877"/>
+        <p14:creationId xmlns:p14="http://schemas.microsoft.com/office/powerpoint/2010/main" val="3372381027"/>
       </p:ext>
     </p:extLst>
   </p:cSld>
@@ -19453,8 +18742,8 @@
           </a:p>
         </p:txBody>
       </p:sp>
-      <mc:AlternateContent xmlns:mc="http://schemas.openxmlformats.org/markup-compatibility/2006">
-        <mc:Choice xmlns:a14="http://schemas.microsoft.com/office/drawing/2010/main" Requires="a14">
+      <mc:AlternateContent xmlns:mc="http://schemas.openxmlformats.org/markup-compatibility/2006" xmlns:a14="http://schemas.microsoft.com/office/drawing/2010/main">
+        <mc:Choice Requires="a14">
           <p:sp>
             <p:nvSpPr>
               <p:cNvPr id="2" name="TextBox 1">
@@ -20128,7 +19417,954 @@
             </p:txBody>
           </p:sp>
         </mc:Choice>
+        <mc:Fallback xmlns="">
+          <p:sp>
+            <p:nvSpPr>
+              <p:cNvPr id="2" name="TextBox 1">
+                <a:extLst>
+                  <a:ext uri="{FF2B5EF4-FFF2-40B4-BE49-F238E27FC236}">
+                    <a16:creationId xmlns:a16="http://schemas.microsoft.com/office/drawing/2014/main" id="{8D969975-513F-DB6C-92CE-5FE1EB582BDC}"/>
+                  </a:ext>
+                </a:extLst>
+              </p:cNvPr>
+              <p:cNvSpPr txBox="1">
+                <a:spLocks noRot="1" noChangeAspect="1" noMove="1" noResize="1" noEditPoints="1" noAdjustHandles="1" noChangeArrowheads="1" noChangeShapeType="1" noTextEdit="1"/>
+              </p:cNvSpPr>
+              <p:nvPr/>
+            </p:nvSpPr>
+            <p:spPr>
+              <a:xfrm>
+                <a:off x="3481771" y="276950"/>
+                <a:ext cx="8457309" cy="3970318"/>
+              </a:xfrm>
+              <a:prstGeom prst="rect">
+                <a:avLst/>
+              </a:prstGeom>
+              <a:blipFill>
+                <a:blip r:embed="rId3"/>
+                <a:stretch>
+                  <a:fillRect l="-1199" t="-1274" b="-318"/>
+                </a:stretch>
+              </a:blipFill>
+            </p:spPr>
+            <p:txBody>
+              <a:bodyPr/>
+              <a:lstStyle/>
+              <a:p>
+                <a:r>
+                  <a:rPr lang="en-US">
+                    <a:noFill/>
+                  </a:rPr>
+                  <a:t> </a:t>
+                </a:r>
+              </a:p>
+            </p:txBody>
+          </p:sp>
+        </mc:Fallback>
+      </mc:AlternateContent>
+      <mc:AlternateContent xmlns:mc="http://schemas.openxmlformats.org/markup-compatibility/2006">
+        <mc:Choice xmlns:a14="http://schemas.microsoft.com/office/drawing/2010/main" Requires="a14">
+          <p:sp>
+            <p:nvSpPr>
+              <p:cNvPr id="3" name="Rounded Rectangle 2">
+                <a:extLst>
+                  <a:ext uri="{FF2B5EF4-FFF2-40B4-BE49-F238E27FC236}">
+                    <a16:creationId xmlns:a16="http://schemas.microsoft.com/office/drawing/2014/main" id="{14EE3A0F-0F09-F7E5-FA7E-F08EB993F89C}"/>
+                  </a:ext>
+                </a:extLst>
+              </p:cNvPr>
+              <p:cNvSpPr/>
+              <p:nvPr/>
+            </p:nvSpPr>
+            <p:spPr>
+              <a:xfrm>
+                <a:off x="252918" y="4472610"/>
+                <a:ext cx="11686161" cy="2426494"/>
+              </a:xfrm>
+              <a:prstGeom prst="roundRect">
+                <a:avLst/>
+              </a:prstGeom>
+            </p:spPr>
+            <p:style>
+              <a:lnRef idx="0">
+                <a:schemeClr val="accent5"/>
+              </a:lnRef>
+              <a:fillRef idx="3">
+                <a:schemeClr val="accent5"/>
+              </a:fillRef>
+              <a:effectRef idx="3">
+                <a:schemeClr val="accent5"/>
+              </a:effectRef>
+              <a:fontRef idx="minor">
+                <a:schemeClr val="lt1"/>
+              </a:fontRef>
+            </p:style>
+            <p:txBody>
+              <a:bodyPr rtlCol="0" anchor="ctr"/>
+              <a:lstStyle/>
+              <a:p>
+                <a:pPr algn="ctr"/>
+                <a:r>
+                  <a:rPr lang="en-US" sz="2400" dirty="0"/>
+                  <a:t>You suspect WSU and SC students spend different amounts of time working per week. You perform an experiment to statistically test this suspicion. You sample 120 WSU students and find on average they work 20 hours/week, with </a:t>
+                </a:r>
+                <a14:m>
+                  <m:oMath xmlns:m="http://schemas.openxmlformats.org/officeDocument/2006/math">
+                    <m:r>
+                      <a:rPr lang="en-US" sz="2400" b="0" i="1" smtClean="0">
+                        <a:latin typeface="Cambria Math" panose="02040503050406030204" pitchFamily="18" charset="0"/>
+                      </a:rPr>
+                      <m:t>𝑠</m:t>
+                    </m:r>
+                    <m:r>
+                      <a:rPr lang="en-US" sz="2400" b="0" i="1" smtClean="0">
+                        <a:latin typeface="Cambria Math" panose="02040503050406030204" pitchFamily="18" charset="0"/>
+                      </a:rPr>
+                      <m:t>=2</m:t>
+                    </m:r>
+                  </m:oMath>
+                </a14:m>
+                <a:r>
+                  <a:rPr lang="en-US" sz="2400" dirty="0"/>
+                  <a:t>. You sample 130 SC students and find on average they work 7 hours/week, with </a:t>
+                </a:r>
+                <a14:m>
+                  <m:oMath xmlns:m="http://schemas.openxmlformats.org/officeDocument/2006/math">
+                    <m:r>
+                      <a:rPr lang="en-US" sz="2400" b="0" i="1" smtClean="0">
+                        <a:latin typeface="Cambria Math" panose="02040503050406030204" pitchFamily="18" charset="0"/>
+                      </a:rPr>
+                      <m:t>𝑠</m:t>
+                    </m:r>
+                    <m:r>
+                      <a:rPr lang="en-US" sz="2400" b="0" i="1" smtClean="0">
+                        <a:latin typeface="Cambria Math" panose="02040503050406030204" pitchFamily="18" charset="0"/>
+                      </a:rPr>
+                      <m:t>=4</m:t>
+                    </m:r>
+                  </m:oMath>
+                </a14:m>
+                <a:r>
+                  <a:rPr lang="en-US" sz="2400" dirty="0"/>
+                  <a:t>.</a:t>
+                </a:r>
+              </a:p>
+              <a:p>
+                <a:pPr algn="ctr"/>
+                <a:endParaRPr lang="en-US" sz="2400" dirty="0"/>
+              </a:p>
+              <a:p>
+                <a:pPr algn="ctr"/>
+                <a:r>
+                  <a:rPr lang="en-US" sz="2400" dirty="0"/>
+                  <a:t>Finish the hypothesis test. Calculate T, find the p-value, and compare to an </a:t>
+                </a:r>
+                <a14:m>
+                  <m:oMath xmlns:m="http://schemas.openxmlformats.org/officeDocument/2006/math">
+                    <m:r>
+                      <a:rPr lang="en-US" sz="2400" b="0" i="1" smtClean="0">
+                        <a:latin typeface="Cambria Math" panose="02040503050406030204" pitchFamily="18" charset="0"/>
+                      </a:rPr>
+                      <m:t>𝛼</m:t>
+                    </m:r>
+                  </m:oMath>
+                </a14:m>
+                <a:r>
+                  <a:rPr lang="en-US" sz="2400" dirty="0"/>
+                  <a:t> of 0.05.</a:t>
+                </a:r>
+              </a:p>
+            </p:txBody>
+          </p:sp>
+        </mc:Choice>
         <mc:Fallback>
+          <p:sp>
+            <p:nvSpPr>
+              <p:cNvPr id="3" name="Rounded Rectangle 2">
+                <a:extLst>
+                  <a:ext uri="{FF2B5EF4-FFF2-40B4-BE49-F238E27FC236}">
+                    <a16:creationId xmlns:a16="http://schemas.microsoft.com/office/drawing/2014/main" id="{14EE3A0F-0F09-F7E5-FA7E-F08EB993F89C}"/>
+                  </a:ext>
+                </a:extLst>
+              </p:cNvPr>
+              <p:cNvSpPr>
+                <a:spLocks noRot="1" noChangeAspect="1" noMove="1" noResize="1" noEditPoints="1" noAdjustHandles="1" noChangeArrowheads="1" noChangeShapeType="1" noTextEdit="1"/>
+              </p:cNvSpPr>
+              <p:nvPr/>
+            </p:nvSpPr>
+            <p:spPr>
+              <a:xfrm>
+                <a:off x="252918" y="4472610"/>
+                <a:ext cx="11686161" cy="2426494"/>
+              </a:xfrm>
+              <a:prstGeom prst="roundRect">
+                <a:avLst/>
+              </a:prstGeom>
+              <a:blipFill>
+                <a:blip r:embed="rId4"/>
+                <a:stretch>
+                  <a:fillRect/>
+                </a:stretch>
+              </a:blipFill>
+            </p:spPr>
+            <p:txBody>
+              <a:bodyPr/>
+              <a:lstStyle/>
+              <a:p>
+                <a:r>
+                  <a:rPr lang="en-US">
+                    <a:noFill/>
+                  </a:rPr>
+                  <a:t> </a:t>
+                </a:r>
+              </a:p>
+            </p:txBody>
+          </p:sp>
+        </mc:Fallback>
+      </mc:AlternateContent>
+    </p:spTree>
+    <p:extLst>
+      <p:ext uri="{BB962C8B-B14F-4D97-AF65-F5344CB8AC3E}">
+        <p14:creationId xmlns:p14="http://schemas.microsoft.com/office/powerpoint/2010/main" val="1682374877"/>
+      </p:ext>
+    </p:extLst>
+  </p:cSld>
+  <p:clrMapOvr>
+    <a:masterClrMapping/>
+  </p:clrMapOvr>
+  <p:transition>
+    <p:cut/>
+  </p:transition>
+</p:sld>
+</file>
+
+<file path=ppt/slides/slide32.xml><?xml version="1.0" encoding="utf-8"?>
+<p:sld xmlns:a="http://schemas.openxmlformats.org/drawingml/2006/main" xmlns:r="http://schemas.openxmlformats.org/officeDocument/2006/relationships" xmlns:p="http://schemas.openxmlformats.org/presentationml/2006/main">
+  <p:cSld>
+    <p:spTree>
+      <p:nvGrpSpPr>
+        <p:cNvPr id="1" name="">
+          <a:extLst>
+            <a:ext uri="{FF2B5EF4-FFF2-40B4-BE49-F238E27FC236}">
+              <a16:creationId xmlns:a16="http://schemas.microsoft.com/office/drawing/2014/main" id="{51E8B79B-E8E6-9CBC-CFFE-FCF3DF3ACC0B}"/>
+            </a:ext>
+          </a:extLst>
+        </p:cNvPr>
+        <p:cNvGrpSpPr/>
+        <p:nvPr/>
+      </p:nvGrpSpPr>
+      <p:grpSpPr>
+        <a:xfrm>
+          <a:off x="0" y="0"/>
+          <a:ext cx="0" cy="0"/>
+          <a:chOff x="0" y="0"/>
+          <a:chExt cx="0" cy="0"/>
+        </a:xfrm>
+      </p:grpSpPr>
+      <p:sp>
+        <p:nvSpPr>
+          <p:cNvPr id="25" name="Title 24">
+            <a:extLst>
+              <a:ext uri="{FF2B5EF4-FFF2-40B4-BE49-F238E27FC236}">
+                <a16:creationId xmlns:a16="http://schemas.microsoft.com/office/drawing/2014/main" id="{F8453FC2-5BE9-D49A-A77C-346F0550F648}"/>
+              </a:ext>
+            </a:extLst>
+          </p:cNvPr>
+          <p:cNvSpPr>
+            <a:spLocks noGrp="1"/>
+          </p:cNvSpPr>
+          <p:nvPr>
+            <p:ph type="title"/>
+          </p:nvPr>
+        </p:nvSpPr>
+        <p:spPr/>
+        <p:txBody>
+          <a:bodyPr/>
+          <a:lstStyle/>
+          <a:p>
+            <a:r>
+              <a:rPr lang="en-US" dirty="0"/>
+              <a:t>Inference for Two Independent Means</a:t>
+            </a:r>
+          </a:p>
+        </p:txBody>
+      </p:sp>
+      <mc:AlternateContent xmlns:mc="http://schemas.openxmlformats.org/markup-compatibility/2006" xmlns:a14="http://schemas.microsoft.com/office/drawing/2010/main">
+        <mc:Choice Requires="a14">
+          <p:sp>
+            <p:nvSpPr>
+              <p:cNvPr id="2" name="TextBox 1">
+                <a:extLst>
+                  <a:ext uri="{FF2B5EF4-FFF2-40B4-BE49-F238E27FC236}">
+                    <a16:creationId xmlns:a16="http://schemas.microsoft.com/office/drawing/2014/main" id="{8D969975-513F-DB6C-92CE-5FE1EB582BDC}"/>
+                  </a:ext>
+                </a:extLst>
+              </p:cNvPr>
+              <p:cNvSpPr txBox="1"/>
+              <p:nvPr/>
+            </p:nvSpPr>
+            <p:spPr>
+              <a:xfrm>
+                <a:off x="3481771" y="276950"/>
+                <a:ext cx="8457309" cy="3970318"/>
+              </a:xfrm>
+              <a:prstGeom prst="rect">
+                <a:avLst/>
+              </a:prstGeom>
+              <a:noFill/>
+            </p:spPr>
+            <p:txBody>
+              <a:bodyPr wrap="square" rtlCol="0">
+                <a:spAutoFit/>
+              </a:bodyPr>
+              <a:lstStyle/>
+              <a:p>
+                <a:r>
+                  <a:rPr lang="en-US" sz="2400" b="1" dirty="0"/>
+                  <a:t>Hypothesis Test for Difference Between Two Independent Means</a:t>
+                </a:r>
+              </a:p>
+              <a:p>
+                <a:endParaRPr lang="en-US" sz="2400" dirty="0"/>
+              </a:p>
+              <a:p>
+                <a:r>
+                  <a:rPr lang="en-US" sz="2400" dirty="0"/>
+                  <a:t>For a hypothesis test, our null hypothesis will be that there is no difference between means. </a:t>
+                </a:r>
+              </a:p>
+              <a:p>
+                <a:endParaRPr lang="en-US" sz="2400" dirty="0"/>
+              </a:p>
+              <a:p>
+                <a:r>
+                  <a:rPr lang="en-US" sz="2400" dirty="0"/>
+                  <a:t>We use </a:t>
+                </a:r>
+                <a14:m>
+                  <m:oMath xmlns:m="http://schemas.openxmlformats.org/officeDocument/2006/math">
+                    <m:sSub>
+                      <m:sSubPr>
+                        <m:ctrlPr>
+                          <a:rPr lang="en-US" sz="2400" i="1">
+                            <a:latin typeface="Cambria Math" panose="02040503050406030204" pitchFamily="18" charset="0"/>
+                          </a:rPr>
+                        </m:ctrlPr>
+                      </m:sSubPr>
+                      <m:e>
+                        <m:r>
+                          <a:rPr lang="en-US" sz="2400" i="1">
+                            <a:latin typeface="Cambria Math" panose="02040503050406030204" pitchFamily="18" charset="0"/>
+                          </a:rPr>
+                          <m:t>𝑠</m:t>
+                        </m:r>
+                      </m:e>
+                      <m:sub>
+                        <m:r>
+                          <a:rPr lang="en-US" sz="2400" i="1">
+                            <a:latin typeface="Cambria Math" panose="02040503050406030204" pitchFamily="18" charset="0"/>
+                          </a:rPr>
+                          <m:t>1</m:t>
+                        </m:r>
+                      </m:sub>
+                    </m:sSub>
+                  </m:oMath>
+                </a14:m>
+                <a:r>
+                  <a:rPr lang="en-US" sz="2400" dirty="0"/>
+                  <a:t> and </a:t>
+                </a:r>
+                <a14:m>
+                  <m:oMath xmlns:m="http://schemas.openxmlformats.org/officeDocument/2006/math">
+                    <m:sSub>
+                      <m:sSubPr>
+                        <m:ctrlPr>
+                          <a:rPr lang="en-US" sz="2400" i="1">
+                            <a:latin typeface="Cambria Math" panose="02040503050406030204" pitchFamily="18" charset="0"/>
+                          </a:rPr>
+                        </m:ctrlPr>
+                      </m:sSubPr>
+                      <m:e>
+                        <m:r>
+                          <a:rPr lang="en-US" sz="2400" i="1">
+                            <a:latin typeface="Cambria Math" panose="02040503050406030204" pitchFamily="18" charset="0"/>
+                          </a:rPr>
+                          <m:t>𝑠</m:t>
+                        </m:r>
+                      </m:e>
+                      <m:sub>
+                        <m:r>
+                          <a:rPr lang="en-US" sz="2400" i="1">
+                            <a:latin typeface="Cambria Math" panose="02040503050406030204" pitchFamily="18" charset="0"/>
+                          </a:rPr>
+                          <m:t>2</m:t>
+                        </m:r>
+                      </m:sub>
+                    </m:sSub>
+                  </m:oMath>
+                </a14:m>
+                <a:r>
+                  <a:rPr lang="en-US" sz="2400" dirty="0"/>
+                  <a:t> as the best guess of </a:t>
+                </a:r>
+                <a14:m>
+                  <m:oMath xmlns:m="http://schemas.openxmlformats.org/officeDocument/2006/math">
+                    <m:sSub>
+                      <m:sSubPr>
+                        <m:ctrlPr>
+                          <a:rPr lang="en-US" sz="2400" i="1">
+                            <a:latin typeface="Cambria Math" panose="02040503050406030204" pitchFamily="18" charset="0"/>
+                          </a:rPr>
+                        </m:ctrlPr>
+                      </m:sSubPr>
+                      <m:e>
+                        <m:r>
+                          <a:rPr lang="en-US" sz="2400" i="1">
+                            <a:latin typeface="Cambria Math" panose="02040503050406030204" pitchFamily="18" charset="0"/>
+                          </a:rPr>
+                          <m:t>𝜎</m:t>
+                        </m:r>
+                      </m:e>
+                      <m:sub>
+                        <m:r>
+                          <a:rPr lang="en-US" sz="2400" i="1">
+                            <a:latin typeface="Cambria Math" panose="02040503050406030204" pitchFamily="18" charset="0"/>
+                          </a:rPr>
+                          <m:t>1</m:t>
+                        </m:r>
+                      </m:sub>
+                    </m:sSub>
+                  </m:oMath>
+                </a14:m>
+                <a:r>
+                  <a:rPr lang="en-US" sz="2400" dirty="0"/>
+                  <a:t> and </a:t>
+                </a:r>
+                <a14:m>
+                  <m:oMath xmlns:m="http://schemas.openxmlformats.org/officeDocument/2006/math">
+                    <m:sSub>
+                      <m:sSubPr>
+                        <m:ctrlPr>
+                          <a:rPr lang="en-US" sz="2400" i="1">
+                            <a:latin typeface="Cambria Math" panose="02040503050406030204" pitchFamily="18" charset="0"/>
+                          </a:rPr>
+                        </m:ctrlPr>
+                      </m:sSubPr>
+                      <m:e>
+                        <m:r>
+                          <a:rPr lang="en-US" sz="2400" i="1">
+                            <a:latin typeface="Cambria Math" panose="02040503050406030204" pitchFamily="18" charset="0"/>
+                          </a:rPr>
+                          <m:t>𝜎</m:t>
+                        </m:r>
+                      </m:e>
+                      <m:sub>
+                        <m:r>
+                          <a:rPr lang="en-US" sz="2400" i="1">
+                            <a:latin typeface="Cambria Math" panose="02040503050406030204" pitchFamily="18" charset="0"/>
+                          </a:rPr>
+                          <m:t>2</m:t>
+                        </m:r>
+                      </m:sub>
+                    </m:sSub>
+                  </m:oMath>
+                </a14:m>
+                <a:r>
+                  <a:rPr lang="en-US" sz="2400" dirty="0"/>
+                  <a:t>, so  </a:t>
+                </a:r>
+              </a:p>
+              <a:p>
+                <a:r>
+                  <a:rPr lang="en-US" sz="2400" dirty="0"/>
+                  <a:t> </a:t>
+                </a:r>
+                <a14:m>
+                  <m:oMath xmlns:m="http://schemas.openxmlformats.org/officeDocument/2006/math">
+                    <m:r>
+                      <a:rPr lang="en-US" sz="2400" i="1">
+                        <a:latin typeface="Cambria Math" panose="02040503050406030204" pitchFamily="18" charset="0"/>
+                      </a:rPr>
+                      <m:t>𝑆𝐸</m:t>
+                    </m:r>
+                    <m:d>
+                      <m:dPr>
+                        <m:ctrlPr>
+                          <a:rPr lang="en-US" sz="2400" i="1">
+                            <a:latin typeface="Cambria Math" panose="02040503050406030204" pitchFamily="18" charset="0"/>
+                          </a:rPr>
+                        </m:ctrlPr>
+                      </m:dPr>
+                      <m:e>
+                        <m:sSub>
+                          <m:sSubPr>
+                            <m:ctrlPr>
+                              <a:rPr lang="en-US" sz="2400" i="1" dirty="0">
+                                <a:latin typeface="Cambria Math" panose="02040503050406030204" pitchFamily="18" charset="0"/>
+                              </a:rPr>
+                            </m:ctrlPr>
+                          </m:sSubPr>
+                          <m:e>
+                            <m:acc>
+                              <m:accPr>
+                                <m:chr m:val="̅"/>
+                                <m:ctrlPr>
+                                  <a:rPr lang="en-US" sz="2400" i="1" dirty="0">
+                                    <a:latin typeface="Cambria Math" panose="02040503050406030204" pitchFamily="18" charset="0"/>
+                                  </a:rPr>
+                                </m:ctrlPr>
+                              </m:accPr>
+                              <m:e>
+                                <m:r>
+                                  <a:rPr lang="en-US" sz="2400" i="1" dirty="0">
+                                    <a:latin typeface="Cambria Math" panose="02040503050406030204" pitchFamily="18" charset="0"/>
+                                  </a:rPr>
+                                  <m:t>𝑥</m:t>
+                                </m:r>
+                              </m:e>
+                            </m:acc>
+                          </m:e>
+                          <m:sub>
+                            <m:r>
+                              <a:rPr lang="en-US" sz="2400" i="1" dirty="0">
+                                <a:latin typeface="Cambria Math" panose="02040503050406030204" pitchFamily="18" charset="0"/>
+                              </a:rPr>
+                              <m:t>1</m:t>
+                            </m:r>
+                          </m:sub>
+                        </m:sSub>
+                        <m:r>
+                          <a:rPr lang="en-US" sz="2400" i="1" dirty="0">
+                            <a:latin typeface="Cambria Math" panose="02040503050406030204" pitchFamily="18" charset="0"/>
+                          </a:rPr>
+                          <m:t>−</m:t>
+                        </m:r>
+                        <m:sSub>
+                          <m:sSubPr>
+                            <m:ctrlPr>
+                              <a:rPr lang="en-US" sz="2400" i="1" dirty="0">
+                                <a:latin typeface="Cambria Math" panose="02040503050406030204" pitchFamily="18" charset="0"/>
+                              </a:rPr>
+                            </m:ctrlPr>
+                          </m:sSubPr>
+                          <m:e>
+                            <m:acc>
+                              <m:accPr>
+                                <m:chr m:val="̅"/>
+                                <m:ctrlPr>
+                                  <a:rPr lang="en-US" sz="2400" i="1" dirty="0">
+                                    <a:latin typeface="Cambria Math" panose="02040503050406030204" pitchFamily="18" charset="0"/>
+                                  </a:rPr>
+                                </m:ctrlPr>
+                              </m:accPr>
+                              <m:e>
+                                <m:r>
+                                  <a:rPr lang="en-US" sz="2400" i="1" dirty="0">
+                                    <a:latin typeface="Cambria Math" panose="02040503050406030204" pitchFamily="18" charset="0"/>
+                                  </a:rPr>
+                                  <m:t>𝑥</m:t>
+                                </m:r>
+                              </m:e>
+                            </m:acc>
+                          </m:e>
+                          <m:sub>
+                            <m:r>
+                              <a:rPr lang="en-US" sz="2400" i="1" dirty="0">
+                                <a:latin typeface="Cambria Math" panose="02040503050406030204" pitchFamily="18" charset="0"/>
+                              </a:rPr>
+                              <m:t>2</m:t>
+                            </m:r>
+                          </m:sub>
+                        </m:sSub>
+                      </m:e>
+                    </m:d>
+                    <m:r>
+                      <a:rPr lang="en-US" sz="2400" i="1">
+                        <a:latin typeface="Cambria Math" panose="02040503050406030204" pitchFamily="18" charset="0"/>
+                      </a:rPr>
+                      <m:t>=</m:t>
+                    </m:r>
+                    <m:rad>
+                      <m:radPr>
+                        <m:degHide m:val="on"/>
+                        <m:ctrlPr>
+                          <a:rPr lang="en-US" sz="2400" i="1">
+                            <a:latin typeface="Cambria Math" panose="02040503050406030204" pitchFamily="18" charset="0"/>
+                          </a:rPr>
+                        </m:ctrlPr>
+                      </m:radPr>
+                      <m:deg/>
+                      <m:e>
+                        <m:f>
+                          <m:fPr>
+                            <m:ctrlPr>
+                              <a:rPr lang="en-US" sz="2400" i="1">
+                                <a:latin typeface="Cambria Math" panose="02040503050406030204" pitchFamily="18" charset="0"/>
+                              </a:rPr>
+                            </m:ctrlPr>
+                          </m:fPr>
+                          <m:num>
+                            <m:sSubSup>
+                              <m:sSubSupPr>
+                                <m:ctrlPr>
+                                  <a:rPr lang="en-US" sz="2400" i="1">
+                                    <a:latin typeface="Cambria Math" panose="02040503050406030204" pitchFamily="18" charset="0"/>
+                                  </a:rPr>
+                                </m:ctrlPr>
+                              </m:sSubSupPr>
+                              <m:e>
+                                <m:r>
+                                  <a:rPr lang="en-US" sz="2400" i="1">
+                                    <a:latin typeface="Cambria Math" panose="02040503050406030204" pitchFamily="18" charset="0"/>
+                                  </a:rPr>
+                                  <m:t>𝑠</m:t>
+                                </m:r>
+                              </m:e>
+                              <m:sub>
+                                <m:r>
+                                  <a:rPr lang="en-US" sz="2400" i="1">
+                                    <a:latin typeface="Cambria Math" panose="02040503050406030204" pitchFamily="18" charset="0"/>
+                                  </a:rPr>
+                                  <m:t>1</m:t>
+                                </m:r>
+                              </m:sub>
+                              <m:sup>
+                                <m:r>
+                                  <a:rPr lang="en-US" sz="2400" i="1">
+                                    <a:latin typeface="Cambria Math" panose="02040503050406030204" pitchFamily="18" charset="0"/>
+                                  </a:rPr>
+                                  <m:t>2</m:t>
+                                </m:r>
+                              </m:sup>
+                            </m:sSubSup>
+                          </m:num>
+                          <m:den>
+                            <m:sSub>
+                              <m:sSubPr>
+                                <m:ctrlPr>
+                                  <a:rPr lang="en-US" sz="2400" i="1">
+                                    <a:latin typeface="Cambria Math" panose="02040503050406030204" pitchFamily="18" charset="0"/>
+                                  </a:rPr>
+                                </m:ctrlPr>
+                              </m:sSubPr>
+                              <m:e>
+                                <m:r>
+                                  <a:rPr lang="en-US" sz="2400" i="1">
+                                    <a:latin typeface="Cambria Math" panose="02040503050406030204" pitchFamily="18" charset="0"/>
+                                  </a:rPr>
+                                  <m:t>𝑛</m:t>
+                                </m:r>
+                              </m:e>
+                              <m:sub>
+                                <m:r>
+                                  <a:rPr lang="en-US" sz="2400" i="1">
+                                    <a:latin typeface="Cambria Math" panose="02040503050406030204" pitchFamily="18" charset="0"/>
+                                  </a:rPr>
+                                  <m:t>1</m:t>
+                                </m:r>
+                              </m:sub>
+                            </m:sSub>
+                          </m:den>
+                        </m:f>
+                        <m:r>
+                          <a:rPr lang="en-US" sz="2400" i="1">
+                            <a:latin typeface="Cambria Math" panose="02040503050406030204" pitchFamily="18" charset="0"/>
+                          </a:rPr>
+                          <m:t>+</m:t>
+                        </m:r>
+                        <m:f>
+                          <m:fPr>
+                            <m:ctrlPr>
+                              <a:rPr lang="en-US" sz="2400" i="1">
+                                <a:latin typeface="Cambria Math" panose="02040503050406030204" pitchFamily="18" charset="0"/>
+                              </a:rPr>
+                            </m:ctrlPr>
+                          </m:fPr>
+                          <m:num>
+                            <m:sSubSup>
+                              <m:sSubSupPr>
+                                <m:ctrlPr>
+                                  <a:rPr lang="en-US" sz="2400" i="1">
+                                    <a:latin typeface="Cambria Math" panose="02040503050406030204" pitchFamily="18" charset="0"/>
+                                  </a:rPr>
+                                </m:ctrlPr>
+                              </m:sSubSupPr>
+                              <m:e>
+                                <m:r>
+                                  <a:rPr lang="en-US" sz="2400" i="1">
+                                    <a:latin typeface="Cambria Math" panose="02040503050406030204" pitchFamily="18" charset="0"/>
+                                  </a:rPr>
+                                  <m:t>𝑠</m:t>
+                                </m:r>
+                              </m:e>
+                              <m:sub>
+                                <m:r>
+                                  <a:rPr lang="en-US" sz="2400" i="1">
+                                    <a:latin typeface="Cambria Math" panose="02040503050406030204" pitchFamily="18" charset="0"/>
+                                  </a:rPr>
+                                  <m:t>2</m:t>
+                                </m:r>
+                              </m:sub>
+                              <m:sup>
+                                <m:r>
+                                  <a:rPr lang="en-US" sz="2400" i="1">
+                                    <a:latin typeface="Cambria Math" panose="02040503050406030204" pitchFamily="18" charset="0"/>
+                                  </a:rPr>
+                                  <m:t>2</m:t>
+                                </m:r>
+                              </m:sup>
+                            </m:sSubSup>
+                          </m:num>
+                          <m:den>
+                            <m:sSub>
+                              <m:sSubPr>
+                                <m:ctrlPr>
+                                  <a:rPr lang="en-US" sz="2400" i="1">
+                                    <a:latin typeface="Cambria Math" panose="02040503050406030204" pitchFamily="18" charset="0"/>
+                                  </a:rPr>
+                                </m:ctrlPr>
+                              </m:sSubPr>
+                              <m:e>
+                                <m:r>
+                                  <a:rPr lang="en-US" sz="2400" i="1">
+                                    <a:latin typeface="Cambria Math" panose="02040503050406030204" pitchFamily="18" charset="0"/>
+                                  </a:rPr>
+                                  <m:t>𝑛</m:t>
+                                </m:r>
+                              </m:e>
+                              <m:sub>
+                                <m:r>
+                                  <a:rPr lang="en-US" sz="2400" i="1">
+                                    <a:latin typeface="Cambria Math" panose="02040503050406030204" pitchFamily="18" charset="0"/>
+                                  </a:rPr>
+                                  <m:t>2</m:t>
+                                </m:r>
+                              </m:sub>
+                            </m:sSub>
+                          </m:den>
+                        </m:f>
+                      </m:e>
+                    </m:rad>
+                  </m:oMath>
+                </a14:m>
+                <a:endParaRPr lang="en-US" sz="2400" dirty="0"/>
+              </a:p>
+              <a:p>
+                <a:r>
+                  <a:rPr lang="en-US" sz="2400" dirty="0"/>
+                  <a:t>Then,  </a:t>
+                </a:r>
+                <a14:m>
+                  <m:oMath xmlns:m="http://schemas.openxmlformats.org/officeDocument/2006/math">
+                    <m:r>
+                      <a:rPr lang="en-US" sz="2400" i="1">
+                        <a:latin typeface="Cambria Math" panose="02040503050406030204" pitchFamily="18" charset="0"/>
+                      </a:rPr>
+                      <m:t>𝑇</m:t>
+                    </m:r>
+                    <m:r>
+                      <a:rPr lang="en-US" sz="2400" i="1">
+                        <a:latin typeface="Cambria Math" panose="02040503050406030204" pitchFamily="18" charset="0"/>
+                      </a:rPr>
+                      <m:t>=</m:t>
+                    </m:r>
+                    <m:f>
+                      <m:fPr>
+                        <m:ctrlPr>
+                          <a:rPr lang="en-US" sz="2400" i="1">
+                            <a:latin typeface="Cambria Math" panose="02040503050406030204" pitchFamily="18" charset="0"/>
+                          </a:rPr>
+                        </m:ctrlPr>
+                      </m:fPr>
+                      <m:num>
+                        <m:sSub>
+                          <m:sSubPr>
+                            <m:ctrlPr>
+                              <a:rPr lang="en-US" sz="2400" i="1">
+                                <a:latin typeface="Cambria Math" panose="02040503050406030204" pitchFamily="18" charset="0"/>
+                              </a:rPr>
+                            </m:ctrlPr>
+                          </m:sSubPr>
+                          <m:e>
+                            <m:r>
+                              <a:rPr lang="en-US" sz="2400" i="1">
+                                <a:latin typeface="Cambria Math" panose="02040503050406030204" pitchFamily="18" charset="0"/>
+                              </a:rPr>
+                              <m:t>(</m:t>
+                            </m:r>
+                            <m:acc>
+                              <m:accPr>
+                                <m:chr m:val="̅"/>
+                                <m:ctrlPr>
+                                  <a:rPr lang="en-US" sz="2400" i="1">
+                                    <a:latin typeface="Cambria Math" panose="02040503050406030204" pitchFamily="18" charset="0"/>
+                                  </a:rPr>
+                                </m:ctrlPr>
+                              </m:accPr>
+                              <m:e>
+                                <m:r>
+                                  <a:rPr lang="en-US" sz="2400" i="1">
+                                    <a:latin typeface="Cambria Math" panose="02040503050406030204" pitchFamily="18" charset="0"/>
+                                  </a:rPr>
+                                  <m:t>𝑥</m:t>
+                                </m:r>
+                              </m:e>
+                            </m:acc>
+                          </m:e>
+                          <m:sub>
+                            <m:r>
+                              <a:rPr lang="en-US" sz="2400" i="1">
+                                <a:latin typeface="Cambria Math" panose="02040503050406030204" pitchFamily="18" charset="0"/>
+                              </a:rPr>
+                              <m:t>1</m:t>
+                            </m:r>
+                          </m:sub>
+                        </m:sSub>
+                        <m:r>
+                          <a:rPr lang="en-US" sz="2400" i="1">
+                            <a:latin typeface="Cambria Math" panose="02040503050406030204" pitchFamily="18" charset="0"/>
+                          </a:rPr>
+                          <m:t>−</m:t>
+                        </m:r>
+                        <m:sSub>
+                          <m:sSubPr>
+                            <m:ctrlPr>
+                              <a:rPr lang="en-US" sz="2400" i="1">
+                                <a:latin typeface="Cambria Math" panose="02040503050406030204" pitchFamily="18" charset="0"/>
+                              </a:rPr>
+                            </m:ctrlPr>
+                          </m:sSubPr>
+                          <m:e>
+                            <m:acc>
+                              <m:accPr>
+                                <m:chr m:val="̅"/>
+                                <m:ctrlPr>
+                                  <a:rPr lang="en-US" sz="2400" i="1">
+                                    <a:latin typeface="Cambria Math" panose="02040503050406030204" pitchFamily="18" charset="0"/>
+                                  </a:rPr>
+                                </m:ctrlPr>
+                              </m:accPr>
+                              <m:e>
+                                <m:r>
+                                  <a:rPr lang="en-US" sz="2400" i="1">
+                                    <a:latin typeface="Cambria Math" panose="02040503050406030204" pitchFamily="18" charset="0"/>
+                                  </a:rPr>
+                                  <m:t>𝑥</m:t>
+                                </m:r>
+                              </m:e>
+                            </m:acc>
+                          </m:e>
+                          <m:sub>
+                            <m:r>
+                              <a:rPr lang="en-US" sz="2400" i="1">
+                                <a:latin typeface="Cambria Math" panose="02040503050406030204" pitchFamily="18" charset="0"/>
+                              </a:rPr>
+                              <m:t>2</m:t>
+                            </m:r>
+                          </m:sub>
+                        </m:sSub>
+                        <m:r>
+                          <a:rPr lang="en-US" sz="2400" i="1">
+                            <a:latin typeface="Cambria Math" panose="02040503050406030204" pitchFamily="18" charset="0"/>
+                          </a:rPr>
+                          <m:t>) −0</m:t>
+                        </m:r>
+                      </m:num>
+                      <m:den>
+                        <m:r>
+                          <a:rPr lang="en-US" sz="2400" i="1">
+                            <a:latin typeface="Cambria Math" panose="02040503050406030204" pitchFamily="18" charset="0"/>
+                          </a:rPr>
+                          <m:t>𝑆𝐸</m:t>
+                        </m:r>
+                      </m:den>
+                    </m:f>
+                  </m:oMath>
+                </a14:m>
+                <a:r>
+                  <a:rPr lang="en-US" sz="2400" dirty="0"/>
+                  <a:t> , and </a:t>
+                </a:r>
+                <a:r>
+                  <a:rPr lang="en-US" sz="2400" dirty="0" err="1"/>
+                  <a:t>df</a:t>
+                </a:r>
+                <a:r>
+                  <a:rPr lang="en-US" sz="2400" dirty="0"/>
+                  <a:t> is the smaller of </a:t>
+                </a:r>
+                <a14:m>
+                  <m:oMath xmlns:m="http://schemas.openxmlformats.org/officeDocument/2006/math">
+                    <m:sSub>
+                      <m:sSubPr>
+                        <m:ctrlPr>
+                          <a:rPr lang="en-US" sz="2400" i="1">
+                            <a:latin typeface="Cambria Math" panose="02040503050406030204" pitchFamily="18" charset="0"/>
+                          </a:rPr>
+                        </m:ctrlPr>
+                      </m:sSubPr>
+                      <m:e>
+                        <m:r>
+                          <a:rPr lang="en-US" sz="2400" i="1">
+                            <a:latin typeface="Cambria Math" panose="02040503050406030204" pitchFamily="18" charset="0"/>
+                          </a:rPr>
+                          <m:t>𝑛</m:t>
+                        </m:r>
+                      </m:e>
+                      <m:sub>
+                        <m:r>
+                          <a:rPr lang="en-US" sz="2400" i="1">
+                            <a:latin typeface="Cambria Math" panose="02040503050406030204" pitchFamily="18" charset="0"/>
+                          </a:rPr>
+                          <m:t>1</m:t>
+                        </m:r>
+                      </m:sub>
+                    </m:sSub>
+                    <m:r>
+                      <a:rPr lang="en-US" sz="2400" i="1">
+                        <a:latin typeface="Cambria Math" panose="02040503050406030204" pitchFamily="18" charset="0"/>
+                      </a:rPr>
+                      <m:t>−1, </m:t>
+                    </m:r>
+                    <m:sSub>
+                      <m:sSubPr>
+                        <m:ctrlPr>
+                          <a:rPr lang="en-US" sz="2400" i="1">
+                            <a:latin typeface="Cambria Math" panose="02040503050406030204" pitchFamily="18" charset="0"/>
+                          </a:rPr>
+                        </m:ctrlPr>
+                      </m:sSubPr>
+                      <m:e>
+                        <m:r>
+                          <a:rPr lang="en-US" sz="2400" i="1">
+                            <a:latin typeface="Cambria Math" panose="02040503050406030204" pitchFamily="18" charset="0"/>
+                          </a:rPr>
+                          <m:t>𝑛</m:t>
+                        </m:r>
+                      </m:e>
+                      <m:sub>
+                        <m:r>
+                          <a:rPr lang="en-US" sz="2400" i="1">
+                            <a:latin typeface="Cambria Math" panose="02040503050406030204" pitchFamily="18" charset="0"/>
+                          </a:rPr>
+                          <m:t>2</m:t>
+                        </m:r>
+                      </m:sub>
+                    </m:sSub>
+                    <m:r>
+                      <a:rPr lang="en-US" sz="2400" i="1">
+                        <a:latin typeface="Cambria Math" panose="02040503050406030204" pitchFamily="18" charset="0"/>
+                      </a:rPr>
+                      <m:t>−1</m:t>
+                    </m:r>
+                  </m:oMath>
+                </a14:m>
+                <a:endParaRPr lang="en-US" sz="2400" dirty="0"/>
+              </a:p>
+            </p:txBody>
+          </p:sp>
+        </mc:Choice>
+        <mc:Fallback xmlns="">
           <p:sp>
             <p:nvSpPr>
               <p:cNvPr id="2" name="TextBox 1">
@@ -20217,16 +20453,21 @@
                 <a:effectLst/>
                 <a:latin typeface="Helvetica" pitchFamily="2" charset="0"/>
               </a:rPr>
-              <a:t>A group of researchers who are interested in</a:t>
+              <a:t>A group of researchers who are </a:t>
             </a:r>
-          </a:p>
-          <a:p>
+            <a:r>
+              <a:rPr lang="en-US" sz="2400">
+                <a:effectLst/>
+                <a:latin typeface="Helvetica" pitchFamily="2" charset="0"/>
+              </a:rPr>
+              <a:t>interested in the </a:t>
+            </a:r>
             <a:r>
               <a:rPr lang="en-US" sz="2400" dirty="0">
                 <a:effectLst/>
                 <a:latin typeface="Helvetica" pitchFamily="2" charset="0"/>
               </a:rPr>
-              <a:t>the possible effects of distracting stimuli during eating, such as an increase or decrease in</a:t>
+              <a:t>possible effects of distracting stimuli during eating, such as an increase or decrease in</a:t>
             </a:r>
             <a:r>
               <a:rPr lang="en-US" sz="2400" dirty="0">
@@ -20896,8 +21137,8 @@
           </a:p>
         </p:txBody>
       </p:sp>
-      <mc:AlternateContent xmlns:mc="http://schemas.openxmlformats.org/markup-compatibility/2006">
-        <mc:Choice xmlns:a14="http://schemas.microsoft.com/office/drawing/2010/main" Requires="a14">
+      <mc:AlternateContent xmlns:mc="http://schemas.openxmlformats.org/markup-compatibility/2006" xmlns:a14="http://schemas.microsoft.com/office/drawing/2010/main">
+        <mc:Choice Requires="a14">
           <p:sp>
             <p:nvSpPr>
               <p:cNvPr id="2" name="TextBox 1">
@@ -21191,7 +21432,7 @@
             </p:txBody>
           </p:sp>
         </mc:Choice>
-        <mc:Fallback>
+        <mc:Fallback xmlns="">
           <p:sp>
             <p:nvSpPr>
               <p:cNvPr id="2" name="TextBox 1">
@@ -21303,8 +21544,8 @@
           </a:p>
         </p:txBody>
       </p:sp>
-      <mc:AlternateContent xmlns:mc="http://schemas.openxmlformats.org/markup-compatibility/2006">
-        <mc:Choice xmlns:a14="http://schemas.microsoft.com/office/drawing/2010/main" Requires="a14">
+      <mc:AlternateContent xmlns:mc="http://schemas.openxmlformats.org/markup-compatibility/2006" xmlns:a14="http://schemas.microsoft.com/office/drawing/2010/main">
+        <mc:Choice Requires="a14">
           <p:sp>
             <p:nvSpPr>
               <p:cNvPr id="2" name="TextBox 1">
@@ -21664,7 +21905,7 @@
             </p:txBody>
           </p:sp>
         </mc:Choice>
-        <mc:Fallback>
+        <mc:Fallback xmlns="">
           <p:sp>
             <p:nvSpPr>
               <p:cNvPr id="2" name="TextBox 1">

--- a/slides/13-numerical-inference-pt1.pptx
+++ b/slides/13-numerical-inference-pt1.pptx
@@ -228,7 +228,7 @@
           <a:p>
             <a:fld id="{3CBB8A52-8AC5-C74C-97FB-632C448F3674}" type="datetimeFigureOut">
               <a:rPr lang="en-US" smtClean="0"/>
-              <a:t>3/26/24</a:t>
+              <a:t>3/28/24</a:t>
             </a:fld>
             <a:endParaRPr lang="en-US"/>
           </a:p>
@@ -4008,7 +4008,7 @@
             <a:fld id="{5586B75A-687E-405C-8A0B-8D00578BA2C3}" type="datetimeFigureOut">
               <a:rPr lang="en-US" smtClean="0"/>
               <a:pPr/>
-              <a:t>3/26/24</a:t>
+              <a:t>3/28/24</a:t>
             </a:fld>
             <a:endParaRPr lang="en-US" dirty="0"/>
           </a:p>
@@ -4180,7 +4180,7 @@
             <a:fld id="{5586B75A-687E-405C-8A0B-8D00578BA2C3}" type="datetimeFigureOut">
               <a:rPr lang="en-US" smtClean="0"/>
               <a:pPr/>
-              <a:t>3/26/24</a:t>
+              <a:t>3/28/24</a:t>
             </a:fld>
             <a:endParaRPr lang="en-US" dirty="0"/>
           </a:p>
@@ -4362,7 +4362,7 @@
             <a:fld id="{5586B75A-687E-405C-8A0B-8D00578BA2C3}" type="datetimeFigureOut">
               <a:rPr lang="en-US" smtClean="0"/>
               <a:pPr/>
-              <a:t>3/26/24</a:t>
+              <a:t>3/28/24</a:t>
             </a:fld>
             <a:endParaRPr lang="en-US" dirty="0"/>
           </a:p>
@@ -4534,7 +4534,7 @@
             <a:fld id="{5586B75A-687E-405C-8A0B-8D00578BA2C3}" type="datetimeFigureOut">
               <a:rPr lang="en-US" smtClean="0"/>
               <a:pPr/>
-              <a:t>3/26/24</a:t>
+              <a:t>3/28/24</a:t>
             </a:fld>
             <a:endParaRPr lang="en-US" dirty="0"/>
           </a:p>
@@ -4790,7 +4790,7 @@
             <a:fld id="{5586B75A-687E-405C-8A0B-8D00578BA2C3}" type="datetimeFigureOut">
               <a:rPr lang="en-US" smtClean="0"/>
               <a:pPr/>
-              <a:t>3/26/24</a:t>
+              <a:t>3/28/24</a:t>
             </a:fld>
             <a:endParaRPr lang="en-US" dirty="0"/>
           </a:p>
@@ -5080,7 +5080,7 @@
             <a:fld id="{5586B75A-687E-405C-8A0B-8D00578BA2C3}" type="datetimeFigureOut">
               <a:rPr lang="en-US" smtClean="0"/>
               <a:pPr/>
-              <a:t>3/26/24</a:t>
+              <a:t>3/28/24</a:t>
             </a:fld>
             <a:endParaRPr lang="en-US" dirty="0"/>
           </a:p>
@@ -5524,7 +5524,7 @@
             <a:fld id="{5586B75A-687E-405C-8A0B-8D00578BA2C3}" type="datetimeFigureOut">
               <a:rPr lang="en-US" smtClean="0"/>
               <a:pPr/>
-              <a:t>3/26/24</a:t>
+              <a:t>3/28/24</a:t>
             </a:fld>
             <a:endParaRPr lang="en-US" dirty="0"/>
           </a:p>
@@ -5644,7 +5644,7 @@
             <a:fld id="{5586B75A-687E-405C-8A0B-8D00578BA2C3}" type="datetimeFigureOut">
               <a:rPr lang="en-US" smtClean="0"/>
               <a:pPr/>
-              <a:t>3/26/24</a:t>
+              <a:t>3/28/24</a:t>
             </a:fld>
             <a:endParaRPr lang="en-US" dirty="0"/>
           </a:p>
@@ -5741,7 +5741,7 @@
             <a:fld id="{5586B75A-687E-405C-8A0B-8D00578BA2C3}" type="datetimeFigureOut">
               <a:rPr lang="en-US" smtClean="0"/>
               <a:pPr/>
-              <a:t>3/26/24</a:t>
+              <a:t>3/28/24</a:t>
             </a:fld>
             <a:endParaRPr lang="en-US" dirty="0"/>
           </a:p>
@@ -6031,7 +6031,7 @@
             <a:fld id="{5586B75A-687E-405C-8A0B-8D00578BA2C3}" type="datetimeFigureOut">
               <a:rPr lang="en-US" smtClean="0"/>
               <a:pPr/>
-              <a:t>3/26/24</a:t>
+              <a:t>3/28/24</a:t>
             </a:fld>
             <a:endParaRPr lang="en-US" dirty="0"/>
           </a:p>
@@ -6306,7 +6306,7 @@
             <a:fld id="{5586B75A-687E-405C-8A0B-8D00578BA2C3}" type="datetimeFigureOut">
               <a:rPr lang="en-US" smtClean="0"/>
               <a:pPr/>
-              <a:t>3/26/24</a:t>
+              <a:t>3/28/24</a:t>
             </a:fld>
             <a:endParaRPr lang="en-US" dirty="0"/>
           </a:p>
@@ -6605,7 +6605,7 @@
             <a:fld id="{5586B75A-687E-405C-8A0B-8D00578BA2C3}" type="datetimeFigureOut">
               <a:rPr lang="en-US" smtClean="0"/>
               <a:pPr/>
-              <a:t>3/26/24</a:t>
+              <a:t>3/28/24</a:t>
             </a:fld>
             <a:endParaRPr lang="en-US" dirty="0"/>
           </a:p>
@@ -10053,8 +10053,8 @@
           </p:sp>
         </mc:Fallback>
       </mc:AlternateContent>
-      <mc:AlternateContent xmlns:mc="http://schemas.openxmlformats.org/markup-compatibility/2006">
-        <mc:Choice xmlns:a14="http://schemas.microsoft.com/office/drawing/2010/main" Requires="a14">
+      <mc:AlternateContent xmlns:mc="http://schemas.openxmlformats.org/markup-compatibility/2006" xmlns:a14="http://schemas.microsoft.com/office/drawing/2010/main">
+        <mc:Choice Requires="a14">
           <p:sp>
             <p:nvSpPr>
               <p:cNvPr id="4" name="Rounded Rectangle 3">
@@ -10163,7 +10163,7 @@
             </p:txBody>
           </p:sp>
         </mc:Choice>
-        <mc:Fallback>
+        <mc:Fallback xmlns="">
           <p:sp>
             <p:nvSpPr>
               <p:cNvPr id="4" name="Rounded Rectangle 3">
@@ -11454,8 +11454,8 @@
           </p:sp>
         </mc:Fallback>
       </mc:AlternateContent>
-      <mc:AlternateContent xmlns:mc="http://schemas.openxmlformats.org/markup-compatibility/2006">
-        <mc:Choice xmlns:a14="http://schemas.microsoft.com/office/drawing/2010/main" Requires="a14">
+      <mc:AlternateContent xmlns:mc="http://schemas.openxmlformats.org/markup-compatibility/2006" xmlns:a14="http://schemas.microsoft.com/office/drawing/2010/main">
+        <mc:Choice Requires="a14">
           <p:sp>
             <p:nvSpPr>
               <p:cNvPr id="3" name="Rounded Rectangle 2">
@@ -11638,7 +11638,7 @@
             </p:txBody>
           </p:sp>
         </mc:Choice>
-        <mc:Fallback>
+        <mc:Fallback xmlns="">
           <p:sp>
             <p:nvSpPr>
               <p:cNvPr id="3" name="Rounded Rectangle 2">
@@ -12412,8 +12412,8 @@
           </a:p>
         </p:txBody>
       </p:sp>
-      <mc:AlternateContent xmlns:mc="http://schemas.openxmlformats.org/markup-compatibility/2006" xmlns:a14="http://schemas.microsoft.com/office/drawing/2010/main">
-        <mc:Choice Requires="a14">
+      <mc:AlternateContent xmlns:mc="http://schemas.openxmlformats.org/markup-compatibility/2006">
+        <mc:Choice xmlns:a14="http://schemas.microsoft.com/office/drawing/2010/main" Requires="a14">
           <p:sp>
             <p:nvSpPr>
               <p:cNvPr id="2" name="TextBox 1">
@@ -13142,7 +13142,7 @@
                 </a14:m>
                 <a:r>
                   <a:rPr lang="en-US" sz="2400" dirty="0"/>
-                  <a:t> are population proportions for each group and </a:t>
+                  <a:t> are population standard deviations for each group and </a:t>
                 </a:r>
                 <a14:m>
                   <m:oMath xmlns:m="http://schemas.openxmlformats.org/officeDocument/2006/math">
@@ -13288,7 +13288,7 @@
             </p:txBody>
           </p:sp>
         </mc:Choice>
-        <mc:Fallback xmlns="">
+        <mc:Fallback>
           <p:sp>
             <p:nvSpPr>
               <p:cNvPr id="2" name="TextBox 1">
@@ -15888,8 +15888,8 @@
           </p:sp>
         </mc:Fallback>
       </mc:AlternateContent>
-      <mc:AlternateContent xmlns:mc="http://schemas.openxmlformats.org/markup-compatibility/2006">
-        <mc:Choice xmlns:a14="http://schemas.microsoft.com/office/drawing/2010/main" Requires="a14">
+      <mc:AlternateContent xmlns:mc="http://schemas.openxmlformats.org/markup-compatibility/2006" xmlns:a14="http://schemas.microsoft.com/office/drawing/2010/main">
+        <mc:Choice Requires="a14">
           <p:sp>
             <p:nvSpPr>
               <p:cNvPr id="3" name="Rounded Rectangle 2">
@@ -16135,7 +16135,7 @@
             </p:txBody>
           </p:sp>
         </mc:Choice>
-        <mc:Fallback>
+        <mc:Fallback xmlns="">
           <p:sp>
             <p:nvSpPr>
               <p:cNvPr id="3" name="Rounded Rectangle 2">
@@ -16414,8 +16414,8 @@
           </a:p>
         </p:txBody>
       </p:sp>
-      <mc:AlternateContent xmlns:mc="http://schemas.openxmlformats.org/markup-compatibility/2006">
-        <mc:Choice xmlns:a14="http://schemas.microsoft.com/office/drawing/2010/main" Requires="a14">
+      <mc:AlternateContent xmlns:mc="http://schemas.openxmlformats.org/markup-compatibility/2006" xmlns:a14="http://schemas.microsoft.com/office/drawing/2010/main">
+        <mc:Choice Requires="a14">
           <p:sp>
             <p:nvSpPr>
               <p:cNvPr id="4" name="Rounded Rectangle 3">
@@ -16665,7 +16665,7 @@
             </p:txBody>
           </p:sp>
         </mc:Choice>
-        <mc:Fallback>
+        <mc:Fallback xmlns="">
           <p:sp>
             <p:nvSpPr>
               <p:cNvPr id="4" name="Rounded Rectangle 3">
@@ -19462,8 +19462,8 @@
           </p:sp>
         </mc:Fallback>
       </mc:AlternateContent>
-      <mc:AlternateContent xmlns:mc="http://schemas.openxmlformats.org/markup-compatibility/2006">
-        <mc:Choice xmlns:a14="http://schemas.microsoft.com/office/drawing/2010/main" Requires="a14">
+      <mc:AlternateContent xmlns:mc="http://schemas.openxmlformats.org/markup-compatibility/2006" xmlns:a14="http://schemas.microsoft.com/office/drawing/2010/main">
+        <mc:Choice Requires="a14">
           <p:sp>
             <p:nvSpPr>
               <p:cNvPr id="3" name="Rounded Rectangle 2">
@@ -19577,7 +19577,7 @@
             </p:txBody>
           </p:sp>
         </mc:Choice>
-        <mc:Fallback>
+        <mc:Fallback xmlns="">
           <p:sp>
             <p:nvSpPr>
               <p:cNvPr id="3" name="Rounded Rectangle 2">
